--- a/docs/basic/collecties/theorie_FUN12_ListMethodes.pptx
+++ b/docs/basic/collecties/theorie_FUN12_ListMethodes.pptx
@@ -10,7 +10,7 @@
     <p:sldMasterId id="2147484051" r:id="rId9"/>
   </p:sldMasterIdLst>
   <p:notesMasterIdLst>
-    <p:notesMasterId r:id="rId17"/>
+    <p:notesMasterId r:id="rId16"/>
   </p:notesMasterIdLst>
   <p:sldIdLst>
     <p:sldId id="344" r:id="rId10"/>
@@ -19,7 +19,6 @@
     <p:sldId id="361" r:id="rId13"/>
     <p:sldId id="362" r:id="rId14"/>
     <p:sldId id="356" r:id="rId15"/>
-    <p:sldId id="341" r:id="rId16"/>
   </p:sldIdLst>
   <p:sldSz cx="9144000" cy="6858000" type="screen4x3"/>
   <p:notesSz cx="6858000" cy="9144000"/>
@@ -129,7 +128,6 @@
             <p14:sldId id="361"/>
             <p14:sldId id="362"/>
             <p14:sldId id="356"/>
-            <p14:sldId id="341"/>
           </p14:sldIdLst>
         </p14:section>
       </p14:sectionLst>
@@ -235,7 +233,7 @@
             <a:fld id="{AB99211C-598F-4B3D-BB4B-E1D2DC515189}" type="datetimeFigureOut">
               <a:rPr lang="en-US" smtClean="0"/>
               <a:pPr/>
-              <a:t>24-Nov-16</a:t>
+              <a:t>12/28/19</a:t>
             </a:fld>
             <a:endParaRPr lang="en-US"/>
           </a:p>
@@ -301,38 +299,37 @@
           <a:p>
             <a:pPr lvl="0"/>
             <a:r>
-              <a:rPr lang="en-US" smtClean="0"/>
+              <a:rPr lang="en-US"/>
               <a:t>Click to edit Master text styles</a:t>
             </a:r>
           </a:p>
           <a:p>
             <a:pPr lvl="1"/>
             <a:r>
-              <a:rPr lang="en-US" smtClean="0"/>
+              <a:rPr lang="en-US"/>
               <a:t>Second level</a:t>
             </a:r>
           </a:p>
           <a:p>
             <a:pPr lvl="2"/>
             <a:r>
-              <a:rPr lang="en-US" smtClean="0"/>
+              <a:rPr lang="en-US"/>
               <a:t>Third level</a:t>
             </a:r>
           </a:p>
           <a:p>
             <a:pPr lvl="3"/>
             <a:r>
-              <a:rPr lang="en-US" smtClean="0"/>
+              <a:rPr lang="en-US"/>
               <a:t>Fourth level</a:t>
             </a:r>
           </a:p>
           <a:p>
             <a:pPr lvl="4"/>
             <a:r>
-              <a:rPr lang="en-US" smtClean="0"/>
+              <a:rPr lang="en-US"/>
               <a:t>Fifth level</a:t>
             </a:r>
-            <a:endParaRPr lang="en-US"/>
           </a:p>
         </p:txBody>
       </p:sp>
@@ -550,7 +547,7 @@
           <a:bodyPr/>
           <a:lstStyle/>
           <a:p>
-            <a:endParaRPr lang="nl-NL" dirty="0" smtClean="0"/>
+            <a:endParaRPr lang="nl-NL" dirty="0"/>
           </a:p>
         </p:txBody>
       </p:sp>
@@ -724,43 +721,35 @@
           <a:lstStyle/>
           <a:p>
             <a:r>
-              <a:rPr lang="nl-NL" dirty="0" smtClean="0"/>
+              <a:rPr lang="nl-NL" dirty="0"/>
               <a:t>Komt de string</a:t>
             </a:r>
             <a:r>
-              <a:rPr lang="nl-NL" baseline="0" dirty="0" smtClean="0"/>
+              <a:rPr lang="nl-NL" baseline="0" dirty="0"/>
               <a:t> “C</a:t>
             </a:r>
             <a:r>
-              <a:rPr lang="nl-NL" baseline="0" smtClean="0"/>
-              <a:t>#” </a:t>
-            </a:r>
-            <a:r>
-              <a:rPr lang="nl-NL" baseline="0" smtClean="0"/>
-              <a:t>voor </a:t>
-            </a:r>
-            <a:r>
-              <a:rPr lang="nl-NL" baseline="0" dirty="0" smtClean="0"/>
+              <a:rPr lang="nl-NL" baseline="0"/>
+              <a:t>#” voor </a:t>
+            </a:r>
+            <a:r>
+              <a:rPr lang="nl-NL" baseline="0" dirty="0"/>
               <a:t>in de talen List? Dat kun je met bovenstaande code zelf </a:t>
             </a:r>
             <a:r>
-              <a:rPr lang="nl-NL" baseline="0" smtClean="0"/>
-              <a:t>uitproberen</a:t>
-            </a:r>
-            <a:r>
-              <a:rPr lang="nl-NL" baseline="0" smtClean="0"/>
-              <a:t>.</a:t>
-            </a:r>
-          </a:p>
-          <a:p>
-            <a:r>
-              <a:rPr lang="nl-NL" baseline="0" smtClean="0"/>
+              <a:rPr lang="nl-NL" baseline="0"/>
+              <a:t>uitproberen.</a:t>
+            </a:r>
+          </a:p>
+          <a:p>
+            <a:r>
+              <a:rPr lang="nl-NL" baseline="0"/>
               <a:t>De beschrijving van de Contains methode (als ook alle andere Methoden van List) vind je altijd terug in de MSDN reference:</a:t>
             </a:r>
           </a:p>
           <a:p>
             <a:r>
-              <a:rPr lang="en-US" smtClean="0"/>
+              <a:rPr lang="en-US"/>
               <a:t>https://msdn.microsoft.com/en-us/library/bhkz42b3(v=vs.110).aspx</a:t>
             </a:r>
             <a:endParaRPr lang="en-US" dirty="0"/>
@@ -851,39 +840,35 @@
           <a:lstStyle/>
           <a:p>
             <a:r>
-              <a:rPr lang="nl-NL" dirty="0" smtClean="0"/>
+              <a:rPr lang="nl-NL" dirty="0"/>
               <a:t>Op welke plek staat</a:t>
             </a:r>
             <a:r>
-              <a:rPr lang="nl-NL" baseline="0" dirty="0" smtClean="0"/>
+              <a:rPr lang="nl-NL" baseline="0" dirty="0"/>
               <a:t> de string C# in de talen List? Dit kun je ook weer zelf uitproberen. Wat gebeurt er eigenlijk als C# niet in de lijst staat? Welke index krijg je dan terug van </a:t>
             </a:r>
             <a:r>
-              <a:rPr lang="nl-NL" baseline="0" dirty="0" err="1" smtClean="0"/>
+              <a:rPr lang="nl-NL" baseline="0" dirty="0" err="1"/>
               <a:t>IndexOf</a:t>
             </a:r>
             <a:r>
-              <a:rPr lang="nl-NL" baseline="0" dirty="0" smtClean="0"/>
+              <a:rPr lang="nl-NL" baseline="0" dirty="0"/>
               <a:t>? Dan krijg je -1 terug, dat is namelijk een index die niet bestaat. We beginnen altijd bij 0 te </a:t>
             </a:r>
             <a:r>
-              <a:rPr lang="nl-NL" baseline="0" smtClean="0"/>
-              <a:t>tellen</a:t>
-            </a:r>
-            <a:r>
-              <a:rPr lang="nl-NL" baseline="0" smtClean="0"/>
-              <a:t>.</a:t>
-            </a:r>
-          </a:p>
-          <a:p>
-            <a:r>
-              <a:rPr lang="nl-NL" baseline="0" smtClean="0"/>
+              <a:rPr lang="nl-NL" baseline="0"/>
+              <a:t>tellen.</a:t>
+            </a:r>
+          </a:p>
+          <a:p>
+            <a:r>
+              <a:rPr lang="nl-NL" baseline="0"/>
               <a:t>De beschrijving van de IndexOf methode (als ook alle andere Methoden van List) vind je altijd terug in de MSDN reference:</a:t>
             </a:r>
           </a:p>
           <a:p>
             <a:r>
-              <a:rPr lang="en-US" smtClean="0"/>
+              <a:rPr lang="en-US"/>
               <a:t>https://msdn.microsoft.com/en-us/library/e4w08k17(v=vs.110).aspx</a:t>
             </a:r>
             <a:endParaRPr lang="en-US" dirty="0"/>
@@ -974,27 +959,27 @@
           <a:lstStyle/>
           <a:p>
             <a:r>
-              <a:rPr lang="nl-NL" dirty="0" smtClean="0"/>
+              <a:rPr lang="nl-NL" dirty="0"/>
               <a:t>Beide</a:t>
             </a:r>
             <a:r>
-              <a:rPr lang="nl-NL" baseline="0" dirty="0" smtClean="0"/>
+              <a:rPr lang="nl-NL" baseline="0" dirty="0"/>
               <a:t> varianten zijn natuurlijk niet waterdicht als methode om te kunnen controleren of de string wel of niet een valide E-mailadres bevat. Het laat wel mooi zien dat de </a:t>
             </a:r>
             <a:r>
-              <a:rPr lang="nl-NL" baseline="0" dirty="0" err="1" smtClean="0"/>
+              <a:rPr lang="nl-NL" baseline="0" dirty="0" err="1"/>
               <a:t>Contains</a:t>
             </a:r>
             <a:r>
-              <a:rPr lang="nl-NL" baseline="0" dirty="0" smtClean="0"/>
+              <a:rPr lang="nl-NL" baseline="0" dirty="0"/>
               <a:t> en </a:t>
             </a:r>
             <a:r>
-              <a:rPr lang="nl-NL" baseline="0" dirty="0" err="1" smtClean="0"/>
+              <a:rPr lang="nl-NL" baseline="0" dirty="0" err="1"/>
               <a:t>IndexOf</a:t>
             </a:r>
             <a:r>
-              <a:rPr lang="nl-NL" baseline="0" dirty="0" smtClean="0"/>
+              <a:rPr lang="nl-NL" baseline="0" dirty="0"/>
               <a:t> methodes ook op strings werken.</a:t>
             </a:r>
             <a:endParaRPr lang="en-US" dirty="0"/>
@@ -1085,17 +1070,17 @@
           <a:lstStyle/>
           <a:p>
             <a:r>
-              <a:rPr lang="en-US" smtClean="0"/>
+              <a:rPr lang="en-US"/>
               <a:t>Met IndexOf kan je zowel achterhalen OF</a:t>
             </a:r>
             <a:r>
-              <a:rPr lang="en-US" baseline="0" smtClean="0"/>
+              <a:rPr lang="en-US" baseline="0"/>
               <a:t> een item in de lijst bestaat, de return waarde van IndexOf is dan &gt;0 EN je hebt meteen de plek waar het zich in de lijst bevindt.</a:t>
             </a:r>
           </a:p>
           <a:p>
             <a:r>
-              <a:rPr lang="en-US" baseline="0" smtClean="0"/>
+              <a:rPr lang="en-US" baseline="0"/>
               <a:t>Dit in tegenstelling tot Contains die alleen maar true (bevindt zich in lijst) of false (bevindt zich NIET in de lijst) teruggeeft.</a:t>
             </a:r>
             <a:endParaRPr lang="en-US" dirty="0"/>
@@ -1130,119 +1115,6 @@
     <p:extLst>
       <p:ext uri="{BB962C8B-B14F-4D97-AF65-F5344CB8AC3E}">
         <p14:creationId xmlns:p14="http://schemas.microsoft.com/office/powerpoint/2010/main" val="2699414056"/>
-      </p:ext>
-    </p:extLst>
-  </p:cSld>
-  <p:clrMapOvr>
-    <a:masterClrMapping/>
-  </p:clrMapOvr>
-</p:notes>
-</file>
-
-<file path=ppt/notesSlides/notesSlide7.xml><?xml version="1.0" encoding="utf-8"?>
-<p:notes xmlns:a="http://schemas.openxmlformats.org/drawingml/2006/main" xmlns:r="http://schemas.openxmlformats.org/officeDocument/2006/relationships" xmlns:p="http://schemas.openxmlformats.org/presentationml/2006/main">
-  <p:cSld>
-    <p:spTree>
-      <p:nvGrpSpPr>
-        <p:cNvPr id="1" name=""/>
-        <p:cNvGrpSpPr/>
-        <p:nvPr/>
-      </p:nvGrpSpPr>
-      <p:grpSpPr>
-        <a:xfrm>
-          <a:off x="0" y="0"/>
-          <a:ext cx="0" cy="0"/>
-          <a:chOff x="0" y="0"/>
-          <a:chExt cx="0" cy="0"/>
-        </a:xfrm>
-      </p:grpSpPr>
-      <p:sp>
-        <p:nvSpPr>
-          <p:cNvPr id="2" name="Slide Image Placeholder 1"/>
-          <p:cNvSpPr>
-            <a:spLocks noGrp="1" noRot="1" noChangeAspect="1"/>
-          </p:cNvSpPr>
-          <p:nvPr>
-            <p:ph type="sldImg"/>
-          </p:nvPr>
-        </p:nvSpPr>
-        <p:spPr/>
-      </p:sp>
-      <p:sp>
-        <p:nvSpPr>
-          <p:cNvPr id="3" name="Notes Placeholder 2"/>
-          <p:cNvSpPr>
-            <a:spLocks noGrp="1"/>
-          </p:cNvSpPr>
-          <p:nvPr>
-            <p:ph type="body" idx="1"/>
-          </p:nvPr>
-        </p:nvSpPr>
-        <p:spPr/>
-        <p:txBody>
-          <a:bodyPr/>
-          <a:lstStyle/>
-          <a:p>
-            <a:pPr marL="0" marR="0" indent="0" algn="l" defTabSz="914400" rtl="0" eaLnBrk="1" fontAlgn="auto" latinLnBrk="0" hangingPunct="1">
-              <a:lnSpc>
-                <a:spcPct val="100000"/>
-              </a:lnSpc>
-              <a:spcBef>
-                <a:spcPts val="0"/>
-              </a:spcBef>
-              <a:spcAft>
-                <a:spcPts val="0"/>
-              </a:spcAft>
-              <a:buClrTx/>
-              <a:buSzTx/>
-              <a:buFontTx/>
-              <a:buNone/>
-              <a:tabLst/>
-              <a:defRPr/>
-            </a:pPr>
-            <a:r>
-              <a:rPr lang="nl-NL" dirty="0" smtClean="0"/>
-              <a:t>Je kunt ook je vragen aan elkaar stellen. Je docent beantwoord</a:t>
-            </a:r>
-            <a:r>
-              <a:rPr lang="nl-NL" baseline="0" dirty="0" smtClean="0"/>
-              <a:t> ze natuurlijk ook maar al te graag. </a:t>
-            </a:r>
-            <a:r>
-              <a:rPr lang="nl-NL" baseline="0" smtClean="0"/>
-              <a:t>Probeer wel eerst zelf naar een oplossing te zoeken voor je het gaat vragen.</a:t>
-            </a:r>
-            <a:endParaRPr lang="nl-NL" smtClean="0"/>
-          </a:p>
-        </p:txBody>
-      </p:sp>
-      <p:sp>
-        <p:nvSpPr>
-          <p:cNvPr id="4" name="Slide Number Placeholder 3"/>
-          <p:cNvSpPr>
-            <a:spLocks noGrp="1"/>
-          </p:cNvSpPr>
-          <p:nvPr>
-            <p:ph type="sldNum" sz="quarter" idx="10"/>
-          </p:nvPr>
-        </p:nvSpPr>
-        <p:spPr/>
-        <p:txBody>
-          <a:bodyPr/>
-          <a:lstStyle/>
-          <a:p>
-            <a:fld id="{AE072925-894A-AD46-B7A3-9CE73F64B2AC}" type="slidenum">
-              <a:rPr lang="nl-NL" smtClean="0"/>
-              <a:t>7</a:t>
-            </a:fld>
-            <a:endParaRPr lang="nl-NL"/>
-          </a:p>
-        </p:txBody>
-      </p:sp>
-    </p:spTree>
-    <p:extLst>
-      <p:ext uri="{BB962C8B-B14F-4D97-AF65-F5344CB8AC3E}">
-        <p14:creationId xmlns:p14="http://schemas.microsoft.com/office/powerpoint/2010/main" val="4109892312"/>
       </p:ext>
     </p:extLst>
   </p:cSld>
@@ -1328,7 +1200,7 @@
           </a:lstStyle>
           <a:p>
             <a:r>
-              <a:rPr lang="nl-NL" smtClean="0"/>
+              <a:rPr lang="nl-NL"/>
               <a:t>Klik om de stijl te bewerken</a:t>
             </a:r>
             <a:endParaRPr lang="nl-NL" dirty="0"/>
@@ -1382,10 +1254,9 @@
           <a:lstStyle/>
           <a:p>
             <a:r>
-              <a:rPr lang="en-US" smtClean="0"/>
+              <a:rPr lang="en-US"/>
               <a:t>Click to edit Master title style</a:t>
             </a:r>
-            <a:endParaRPr lang="en-US"/>
           </a:p>
         </p:txBody>
       </p:sp>
@@ -1406,38 +1277,37 @@
           <a:p>
             <a:pPr lvl="0"/>
             <a:r>
-              <a:rPr lang="en-US" smtClean="0"/>
+              <a:rPr lang="en-US"/>
               <a:t>Click to edit Master text styles</a:t>
             </a:r>
           </a:p>
           <a:p>
             <a:pPr lvl="1"/>
             <a:r>
-              <a:rPr lang="en-US" smtClean="0"/>
+              <a:rPr lang="en-US"/>
               <a:t>Second level</a:t>
             </a:r>
           </a:p>
           <a:p>
             <a:pPr lvl="2"/>
             <a:r>
-              <a:rPr lang="en-US" smtClean="0"/>
+              <a:rPr lang="en-US"/>
               <a:t>Third level</a:t>
             </a:r>
           </a:p>
           <a:p>
             <a:pPr lvl="3"/>
             <a:r>
-              <a:rPr lang="en-US" smtClean="0"/>
+              <a:rPr lang="en-US"/>
               <a:t>Fourth level</a:t>
             </a:r>
           </a:p>
           <a:p>
             <a:pPr lvl="4"/>
             <a:r>
-              <a:rPr lang="en-US" smtClean="0"/>
+              <a:rPr lang="en-US"/>
               <a:t>Fifth level</a:t>
             </a:r>
-            <a:endParaRPr lang="en-US"/>
           </a:p>
         </p:txBody>
       </p:sp>
@@ -1476,7 +1346,7 @@
               <a:pPr>
                 <a:defRPr/>
               </a:pPr>
-              <a:t>24-11-2016</a:t>
+              <a:t>28-12-2019</a:t>
             </a:fld>
             <a:endParaRPr lang="nl-NL" b="0">
               <a:solidFill>
@@ -1645,7 +1515,7 @@
           </a:lstStyle>
           <a:p>
             <a:r>
-              <a:rPr lang="nl-NL" smtClean="0"/>
+              <a:rPr lang="nl-NL"/>
               <a:t>Klik om de stijl te bewerken</a:t>
             </a:r>
             <a:endParaRPr lang="nl-NL" dirty="0"/>
@@ -1700,38 +1570,37 @@
           <a:p>
             <a:pPr lvl="0"/>
             <a:r>
-              <a:rPr lang="nl-NL" smtClean="0"/>
+              <a:rPr lang="nl-NL"/>
               <a:t>Klik om de modelstijlen te bewerken</a:t>
             </a:r>
           </a:p>
           <a:p>
             <a:pPr lvl="1"/>
             <a:r>
-              <a:rPr lang="nl-NL" smtClean="0"/>
+              <a:rPr lang="nl-NL"/>
               <a:t>Tweede niveau</a:t>
             </a:r>
           </a:p>
           <a:p>
             <a:pPr lvl="2"/>
             <a:r>
-              <a:rPr lang="nl-NL" smtClean="0"/>
+              <a:rPr lang="nl-NL"/>
               <a:t>Derde niveau</a:t>
             </a:r>
           </a:p>
           <a:p>
             <a:pPr lvl="3"/>
             <a:r>
-              <a:rPr lang="nl-NL" smtClean="0"/>
+              <a:rPr lang="nl-NL"/>
               <a:t>Vierde niveau</a:t>
             </a:r>
           </a:p>
           <a:p>
             <a:pPr lvl="4"/>
             <a:r>
-              <a:rPr lang="nl-NL" smtClean="0"/>
+              <a:rPr lang="nl-NL"/>
               <a:t>Vijfde niveau</a:t>
             </a:r>
-            <a:endParaRPr lang="nl-NL"/>
           </a:p>
         </p:txBody>
       </p:sp>
@@ -1779,10 +1648,9 @@
               <a:defRPr/>
             </a:pPr>
             <a:r>
-              <a:rPr lang="nl-NL" smtClean="0"/>
+              <a:rPr lang="nl-NL"/>
               <a:t>Fontys Hogeschool ICT</a:t>
             </a:r>
-            <a:endParaRPr lang="nl-NL"/>
           </a:p>
         </p:txBody>
       </p:sp>
@@ -1864,10 +1732,9 @@
           <a:lstStyle/>
           <a:p>
             <a:r>
-              <a:rPr lang="nl-NL" smtClean="0"/>
+              <a:rPr lang="nl-NL"/>
               <a:t>Klik om de stijl te bewerken</a:t>
             </a:r>
-            <a:endParaRPr lang="nl-NL"/>
           </a:p>
         </p:txBody>
       </p:sp>
@@ -1952,38 +1819,37 @@
           <a:p>
             <a:pPr lvl="0"/>
             <a:r>
-              <a:rPr lang="nl-NL" smtClean="0"/>
+              <a:rPr lang="nl-NL"/>
               <a:t>Klik om de modelstijlen te bewerken</a:t>
             </a:r>
           </a:p>
           <a:p>
             <a:pPr lvl="1"/>
             <a:r>
-              <a:rPr lang="nl-NL" smtClean="0"/>
+              <a:rPr lang="nl-NL"/>
               <a:t>Tweede niveau</a:t>
             </a:r>
           </a:p>
           <a:p>
             <a:pPr lvl="2"/>
             <a:r>
-              <a:rPr lang="nl-NL" smtClean="0"/>
+              <a:rPr lang="nl-NL"/>
               <a:t>Derde niveau</a:t>
             </a:r>
           </a:p>
           <a:p>
             <a:pPr lvl="3"/>
             <a:r>
-              <a:rPr lang="nl-NL" smtClean="0"/>
+              <a:rPr lang="nl-NL"/>
               <a:t>Vierde niveau</a:t>
             </a:r>
           </a:p>
           <a:p>
             <a:pPr lvl="4"/>
             <a:r>
-              <a:rPr lang="nl-NL" smtClean="0"/>
+              <a:rPr lang="nl-NL"/>
               <a:t>Vijfde niveau</a:t>
             </a:r>
-            <a:endParaRPr lang="nl-NL"/>
           </a:p>
         </p:txBody>
       </p:sp>
@@ -2031,10 +1897,9 @@
               <a:defRPr/>
             </a:pPr>
             <a:r>
-              <a:rPr lang="nl-NL" smtClean="0"/>
+              <a:rPr lang="nl-NL"/>
               <a:t>Fontys Hogeschool ICT</a:t>
             </a:r>
-            <a:endParaRPr lang="nl-NL"/>
           </a:p>
         </p:txBody>
       </p:sp>
@@ -2152,10 +2017,9 @@
           <a:lstStyle/>
           <a:p>
             <a:r>
-              <a:rPr lang="nl-NL" smtClean="0"/>
+              <a:rPr lang="nl-NL"/>
               <a:t>Klik om de stijl te bewerken</a:t>
             </a:r>
-            <a:endParaRPr lang="nl-NL"/>
           </a:p>
         </p:txBody>
       </p:sp>
@@ -2271,10 +2135,9 @@
           </a:lstStyle>
           <a:p>
             <a:r>
-              <a:rPr lang="nl-NL" smtClean="0"/>
+              <a:rPr lang="nl-NL"/>
               <a:t>Klik om de ondertitelstijl van het model te bewerken</a:t>
             </a:r>
-            <a:endParaRPr lang="nl-NL"/>
           </a:p>
         </p:txBody>
       </p:sp>
@@ -2303,7 +2166,7 @@
           <a:p>
             <a:fld id="{28C99701-F16B-452A-A655-88ADB5B2D552}" type="datetimeFigureOut">
               <a:rPr lang="nl-NL" smtClean="0"/>
-              <a:t>24-11-2016</a:t>
+              <a:t>28-12-2019</a:t>
             </a:fld>
             <a:endParaRPr lang="nl-NL"/>
           </a:p>
@@ -2334,10 +2197,9 @@
               <a:defRPr/>
             </a:pPr>
             <a:r>
-              <a:rPr lang="nl-NL" smtClean="0"/>
+              <a:rPr lang="nl-NL"/>
               <a:t>Fontys Hogeschool ICT</a:t>
             </a:r>
-            <a:endParaRPr lang="nl-NL"/>
           </a:p>
         </p:txBody>
       </p:sp>
@@ -2431,10 +2293,9 @@
           <a:lstStyle/>
           <a:p>
             <a:r>
-              <a:rPr lang="nl-NL" smtClean="0"/>
+              <a:rPr lang="nl-NL"/>
               <a:t>Klik om de stijl te bewerken</a:t>
             </a:r>
-            <a:endParaRPr lang="nl-NL"/>
           </a:p>
         </p:txBody>
       </p:sp>
@@ -2455,38 +2316,37 @@
           <a:p>
             <a:pPr lvl="0"/>
             <a:r>
-              <a:rPr lang="nl-NL" smtClean="0"/>
+              <a:rPr lang="nl-NL"/>
               <a:t>Klik om de modelstijlen te bewerken</a:t>
             </a:r>
           </a:p>
           <a:p>
             <a:pPr lvl="1"/>
             <a:r>
-              <a:rPr lang="nl-NL" smtClean="0"/>
+              <a:rPr lang="nl-NL"/>
               <a:t>Tweede niveau</a:t>
             </a:r>
           </a:p>
           <a:p>
             <a:pPr lvl="2"/>
             <a:r>
-              <a:rPr lang="nl-NL" smtClean="0"/>
+              <a:rPr lang="nl-NL"/>
               <a:t>Derde niveau</a:t>
             </a:r>
           </a:p>
           <a:p>
             <a:pPr lvl="3"/>
             <a:r>
-              <a:rPr lang="nl-NL" smtClean="0"/>
+              <a:rPr lang="nl-NL"/>
               <a:t>Vierde niveau</a:t>
             </a:r>
           </a:p>
           <a:p>
             <a:pPr lvl="4"/>
             <a:r>
-              <a:rPr lang="nl-NL" smtClean="0"/>
+              <a:rPr lang="nl-NL"/>
               <a:t>Vijfde niveau</a:t>
             </a:r>
-            <a:endParaRPr lang="nl-NL"/>
           </a:p>
         </p:txBody>
       </p:sp>
@@ -2515,7 +2375,7 @@
           <a:p>
             <a:fld id="{28C99701-F16B-452A-A655-88ADB5B2D552}" type="datetimeFigureOut">
               <a:rPr lang="nl-NL" smtClean="0"/>
-              <a:t>24-11-2016</a:t>
+              <a:t>28-12-2019</a:t>
             </a:fld>
             <a:endParaRPr lang="nl-NL"/>
           </a:p>
@@ -2546,10 +2406,9 @@
               <a:defRPr/>
             </a:pPr>
             <a:r>
-              <a:rPr lang="nl-NL" smtClean="0"/>
+              <a:rPr lang="nl-NL"/>
               <a:t>Fontys Hogeschool ICT</a:t>
             </a:r>
-            <a:endParaRPr lang="nl-NL"/>
           </a:p>
         </p:txBody>
       </p:sp>
@@ -2686,7 +2545,7 @@
           </a:lstStyle>
           <a:p>
             <a:r>
-              <a:rPr lang="nl-NL" smtClean="0"/>
+              <a:rPr lang="nl-NL"/>
               <a:t>Klik om de stijl te bewerken</a:t>
             </a:r>
             <a:endParaRPr lang="nl-NL" dirty="0"/>
@@ -2741,38 +2600,37 @@
           <a:p>
             <a:pPr lvl="0"/>
             <a:r>
-              <a:rPr lang="nl-NL" smtClean="0"/>
+              <a:rPr lang="nl-NL"/>
               <a:t>Klik om de modelstijlen te bewerken</a:t>
             </a:r>
           </a:p>
           <a:p>
             <a:pPr lvl="1"/>
             <a:r>
-              <a:rPr lang="nl-NL" smtClean="0"/>
+              <a:rPr lang="nl-NL"/>
               <a:t>Tweede niveau</a:t>
             </a:r>
           </a:p>
           <a:p>
             <a:pPr lvl="2"/>
             <a:r>
-              <a:rPr lang="nl-NL" smtClean="0"/>
+              <a:rPr lang="nl-NL"/>
               <a:t>Derde niveau</a:t>
             </a:r>
           </a:p>
           <a:p>
             <a:pPr lvl="3"/>
             <a:r>
-              <a:rPr lang="nl-NL" smtClean="0"/>
+              <a:rPr lang="nl-NL"/>
               <a:t>Vierde niveau</a:t>
             </a:r>
           </a:p>
           <a:p>
             <a:pPr lvl="4"/>
             <a:r>
-              <a:rPr lang="nl-NL" smtClean="0"/>
+              <a:rPr lang="nl-NL"/>
               <a:t>Vijfde niveau</a:t>
             </a:r>
-            <a:endParaRPr lang="nl-NL"/>
           </a:p>
         </p:txBody>
       </p:sp>
@@ -2820,10 +2678,9 @@
               <a:defRPr/>
             </a:pPr>
             <a:r>
-              <a:rPr lang="nl-NL" smtClean="0"/>
+              <a:rPr lang="nl-NL"/>
               <a:t>Fontys Hogeschool ICT</a:t>
             </a:r>
-            <a:endParaRPr lang="nl-NL"/>
           </a:p>
         </p:txBody>
       </p:sp>
@@ -2905,10 +2762,9 @@
           <a:lstStyle/>
           <a:p>
             <a:r>
-              <a:rPr lang="nl-NL" smtClean="0"/>
+              <a:rPr lang="nl-NL"/>
               <a:t>Klik om de stijl te bewerken</a:t>
             </a:r>
-            <a:endParaRPr lang="nl-NL"/>
           </a:p>
         </p:txBody>
       </p:sp>
@@ -2993,38 +2849,37 @@
           <a:p>
             <a:pPr lvl="0"/>
             <a:r>
-              <a:rPr lang="nl-NL" smtClean="0"/>
+              <a:rPr lang="nl-NL"/>
               <a:t>Klik om de modelstijlen te bewerken</a:t>
             </a:r>
           </a:p>
           <a:p>
             <a:pPr lvl="1"/>
             <a:r>
-              <a:rPr lang="nl-NL" smtClean="0"/>
+              <a:rPr lang="nl-NL"/>
               <a:t>Tweede niveau</a:t>
             </a:r>
           </a:p>
           <a:p>
             <a:pPr lvl="2"/>
             <a:r>
-              <a:rPr lang="nl-NL" smtClean="0"/>
+              <a:rPr lang="nl-NL"/>
               <a:t>Derde niveau</a:t>
             </a:r>
           </a:p>
           <a:p>
             <a:pPr lvl="3"/>
             <a:r>
-              <a:rPr lang="nl-NL" smtClean="0"/>
+              <a:rPr lang="nl-NL"/>
               <a:t>Vierde niveau</a:t>
             </a:r>
           </a:p>
           <a:p>
             <a:pPr lvl="4"/>
             <a:r>
-              <a:rPr lang="nl-NL" smtClean="0"/>
+              <a:rPr lang="nl-NL"/>
               <a:t>Vijfde niveau</a:t>
             </a:r>
-            <a:endParaRPr lang="nl-NL"/>
           </a:p>
         </p:txBody>
       </p:sp>
@@ -3072,10 +2927,9 @@
               <a:defRPr/>
             </a:pPr>
             <a:r>
-              <a:rPr lang="nl-NL" smtClean="0"/>
+              <a:rPr lang="nl-NL"/>
               <a:t>Fontys Hogeschool ICT</a:t>
             </a:r>
-            <a:endParaRPr lang="nl-NL"/>
           </a:p>
         </p:txBody>
       </p:sp>
@@ -3193,10 +3047,9 @@
           <a:lstStyle/>
           <a:p>
             <a:r>
-              <a:rPr lang="en-US" smtClean="0"/>
+              <a:rPr lang="en-US"/>
               <a:t>Click to edit Master title style</a:t>
             </a:r>
-            <a:endParaRPr lang="en-US"/>
           </a:p>
         </p:txBody>
       </p:sp>
@@ -3258,10 +3111,9 @@
           </a:lstStyle>
           <a:p>
             <a:r>
-              <a:rPr lang="en-US" smtClean="0"/>
+              <a:rPr lang="en-US"/>
               <a:t>Click to edit Master subtitle style</a:t>
             </a:r>
-            <a:endParaRPr lang="en-US"/>
           </a:p>
         </p:txBody>
       </p:sp>
@@ -3300,7 +3152,7 @@
               <a:pPr>
                 <a:defRPr/>
               </a:pPr>
-              <a:t>24-11-2016</a:t>
+              <a:t>28-12-2019</a:t>
             </a:fld>
             <a:endParaRPr lang="nl-NL" b="0">
               <a:solidFill>
@@ -3427,38 +3279,37 @@
           <a:p>
             <a:pPr lvl="0"/>
             <a:r>
-              <a:rPr lang="nl-NL" smtClean="0"/>
+              <a:rPr lang="nl-NL"/>
               <a:t>Klik om de modelstijlen te bewerken</a:t>
             </a:r>
           </a:p>
           <a:p>
             <a:pPr lvl="1"/>
             <a:r>
-              <a:rPr lang="nl-NL" smtClean="0"/>
+              <a:rPr lang="nl-NL"/>
               <a:t>Tweede niveau</a:t>
             </a:r>
           </a:p>
           <a:p>
             <a:pPr lvl="2"/>
             <a:r>
-              <a:rPr lang="nl-NL" smtClean="0"/>
+              <a:rPr lang="nl-NL"/>
               <a:t>Derde niveau</a:t>
             </a:r>
           </a:p>
           <a:p>
             <a:pPr lvl="3"/>
             <a:r>
-              <a:rPr lang="nl-NL" smtClean="0"/>
+              <a:rPr lang="nl-NL"/>
               <a:t>Vierde niveau</a:t>
             </a:r>
           </a:p>
           <a:p>
             <a:pPr lvl="4"/>
             <a:r>
-              <a:rPr lang="nl-NL" smtClean="0"/>
+              <a:rPr lang="nl-NL"/>
               <a:t>Vijfde niveau</a:t>
             </a:r>
-            <a:endParaRPr lang="nl-NL"/>
           </a:p>
         </p:txBody>
       </p:sp>
@@ -3506,10 +3357,9 @@
               <a:defRPr/>
             </a:pPr>
             <a:r>
-              <a:rPr lang="nl-NL" smtClean="0"/>
+              <a:rPr lang="nl-NL"/>
               <a:t>Fontys Hogeschool ICT</a:t>
             </a:r>
-            <a:endParaRPr lang="nl-NL"/>
           </a:p>
         </p:txBody>
       </p:sp>
@@ -3591,10 +3441,9 @@
           <a:lstStyle/>
           <a:p>
             <a:r>
-              <a:rPr lang="nl-NL" smtClean="0"/>
+              <a:rPr lang="nl-NL"/>
               <a:t>Klik om de stijl te bewerken</a:t>
             </a:r>
-            <a:endParaRPr lang="nl-NL"/>
           </a:p>
         </p:txBody>
       </p:sp>
@@ -3645,10 +3494,9 @@
           <a:lstStyle/>
           <a:p>
             <a:r>
-              <a:rPr lang="en-US" smtClean="0"/>
+              <a:rPr lang="en-US"/>
               <a:t>Click to edit Master title style</a:t>
             </a:r>
-            <a:endParaRPr lang="en-US"/>
           </a:p>
         </p:txBody>
       </p:sp>
@@ -3669,38 +3517,37 @@
           <a:p>
             <a:pPr lvl="0"/>
             <a:r>
-              <a:rPr lang="en-US" smtClean="0"/>
+              <a:rPr lang="en-US"/>
               <a:t>Click to edit Master text styles</a:t>
             </a:r>
           </a:p>
           <a:p>
             <a:pPr lvl="1"/>
             <a:r>
-              <a:rPr lang="en-US" smtClean="0"/>
+              <a:rPr lang="en-US"/>
               <a:t>Second level</a:t>
             </a:r>
           </a:p>
           <a:p>
             <a:pPr lvl="2"/>
             <a:r>
-              <a:rPr lang="en-US" smtClean="0"/>
+              <a:rPr lang="en-US"/>
               <a:t>Third level</a:t>
             </a:r>
           </a:p>
           <a:p>
             <a:pPr lvl="3"/>
             <a:r>
-              <a:rPr lang="en-US" smtClean="0"/>
+              <a:rPr lang="en-US"/>
               <a:t>Fourth level</a:t>
             </a:r>
           </a:p>
           <a:p>
             <a:pPr lvl="4"/>
             <a:r>
-              <a:rPr lang="en-US" smtClean="0"/>
+              <a:rPr lang="en-US"/>
               <a:t>Fifth level</a:t>
             </a:r>
-            <a:endParaRPr lang="en-US"/>
           </a:p>
         </p:txBody>
       </p:sp>
@@ -3739,7 +3586,7 @@
               <a:pPr>
                 <a:defRPr/>
               </a:pPr>
-              <a:t>24-11-2016</a:t>
+              <a:t>28-12-2019</a:t>
             </a:fld>
             <a:endParaRPr lang="nl-NL" b="0">
               <a:solidFill>
@@ -3908,7 +3755,7 @@
           </a:lstStyle>
           <a:p>
             <a:r>
-              <a:rPr lang="nl-NL" smtClean="0"/>
+              <a:rPr lang="nl-NL"/>
               <a:t>Klik om de stijl te bewerken</a:t>
             </a:r>
             <a:endParaRPr lang="nl-NL" dirty="0"/>
@@ -3963,38 +3810,37 @@
           <a:p>
             <a:pPr lvl="0"/>
             <a:r>
-              <a:rPr lang="nl-NL" smtClean="0"/>
+              <a:rPr lang="nl-NL"/>
               <a:t>Klik om de modelstijlen te bewerken</a:t>
             </a:r>
           </a:p>
           <a:p>
             <a:pPr lvl="1"/>
             <a:r>
-              <a:rPr lang="nl-NL" smtClean="0"/>
+              <a:rPr lang="nl-NL"/>
               <a:t>Tweede niveau</a:t>
             </a:r>
           </a:p>
           <a:p>
             <a:pPr lvl="2"/>
             <a:r>
-              <a:rPr lang="nl-NL" smtClean="0"/>
+              <a:rPr lang="nl-NL"/>
               <a:t>Derde niveau</a:t>
             </a:r>
           </a:p>
           <a:p>
             <a:pPr lvl="3"/>
             <a:r>
-              <a:rPr lang="nl-NL" smtClean="0"/>
+              <a:rPr lang="nl-NL"/>
               <a:t>Vierde niveau</a:t>
             </a:r>
           </a:p>
           <a:p>
             <a:pPr lvl="4"/>
             <a:r>
-              <a:rPr lang="nl-NL" smtClean="0"/>
+              <a:rPr lang="nl-NL"/>
               <a:t>Vijfde niveau</a:t>
             </a:r>
-            <a:endParaRPr lang="nl-NL"/>
           </a:p>
         </p:txBody>
       </p:sp>
@@ -4042,10 +3888,9 @@
               <a:defRPr/>
             </a:pPr>
             <a:r>
-              <a:rPr lang="nl-NL" smtClean="0"/>
+              <a:rPr lang="nl-NL"/>
               <a:t>Fontys Hogeschool ICT</a:t>
             </a:r>
-            <a:endParaRPr lang="nl-NL"/>
           </a:p>
         </p:txBody>
       </p:sp>
@@ -4127,10 +3972,9 @@
           <a:lstStyle/>
           <a:p>
             <a:r>
-              <a:rPr lang="nl-NL" smtClean="0"/>
+              <a:rPr lang="nl-NL"/>
               <a:t>Klik om de stijl te bewerken</a:t>
             </a:r>
-            <a:endParaRPr lang="nl-NL"/>
           </a:p>
         </p:txBody>
       </p:sp>
@@ -4215,38 +4059,37 @@
           <a:p>
             <a:pPr lvl="0"/>
             <a:r>
-              <a:rPr lang="nl-NL" smtClean="0"/>
+              <a:rPr lang="nl-NL"/>
               <a:t>Klik om de modelstijlen te bewerken</a:t>
             </a:r>
           </a:p>
           <a:p>
             <a:pPr lvl="1"/>
             <a:r>
-              <a:rPr lang="nl-NL" smtClean="0"/>
+              <a:rPr lang="nl-NL"/>
               <a:t>Tweede niveau</a:t>
             </a:r>
           </a:p>
           <a:p>
             <a:pPr lvl="2"/>
             <a:r>
-              <a:rPr lang="nl-NL" smtClean="0"/>
+              <a:rPr lang="nl-NL"/>
               <a:t>Derde niveau</a:t>
             </a:r>
           </a:p>
           <a:p>
             <a:pPr lvl="3"/>
             <a:r>
-              <a:rPr lang="nl-NL" smtClean="0"/>
+              <a:rPr lang="nl-NL"/>
               <a:t>Vierde niveau</a:t>
             </a:r>
           </a:p>
           <a:p>
             <a:pPr lvl="4"/>
             <a:r>
-              <a:rPr lang="nl-NL" smtClean="0"/>
+              <a:rPr lang="nl-NL"/>
               <a:t>Vijfde niveau</a:t>
             </a:r>
-            <a:endParaRPr lang="nl-NL"/>
           </a:p>
         </p:txBody>
       </p:sp>
@@ -4294,10 +4137,9 @@
               <a:defRPr/>
             </a:pPr>
             <a:r>
-              <a:rPr lang="nl-NL" smtClean="0"/>
+              <a:rPr lang="nl-NL"/>
               <a:t>Fontys Hogeschool ICT</a:t>
             </a:r>
-            <a:endParaRPr lang="nl-NL"/>
           </a:p>
         </p:txBody>
       </p:sp>
@@ -4415,10 +4257,9 @@
           <a:lstStyle/>
           <a:p>
             <a:r>
-              <a:rPr lang="en-US" smtClean="0"/>
+              <a:rPr lang="en-US"/>
               <a:t>Click to edit Master title style</a:t>
             </a:r>
-            <a:endParaRPr lang="en-US"/>
           </a:p>
         </p:txBody>
       </p:sp>
@@ -4480,10 +4321,9 @@
           </a:lstStyle>
           <a:p>
             <a:r>
-              <a:rPr lang="en-US" smtClean="0"/>
+              <a:rPr lang="en-US"/>
               <a:t>Click to edit Master subtitle style</a:t>
             </a:r>
-            <a:endParaRPr lang="en-US"/>
           </a:p>
         </p:txBody>
       </p:sp>
@@ -4522,7 +4362,7 @@
               <a:pPr>
                 <a:defRPr/>
               </a:pPr>
-              <a:t>24-11-2016</a:t>
+              <a:t>28-12-2019</a:t>
             </a:fld>
             <a:endParaRPr lang="nl-NL" b="0">
               <a:solidFill>
@@ -4648,10 +4488,9 @@
           <a:lstStyle/>
           <a:p>
             <a:r>
-              <a:rPr lang="en-US" smtClean="0"/>
+              <a:rPr lang="en-US"/>
               <a:t>Click to edit Master title style</a:t>
             </a:r>
-            <a:endParaRPr lang="en-US"/>
           </a:p>
         </p:txBody>
       </p:sp>
@@ -4672,38 +4511,37 @@
           <a:p>
             <a:pPr lvl="0"/>
             <a:r>
-              <a:rPr lang="en-US" smtClean="0"/>
+              <a:rPr lang="en-US"/>
               <a:t>Click to edit Master text styles</a:t>
             </a:r>
           </a:p>
           <a:p>
             <a:pPr lvl="1"/>
             <a:r>
-              <a:rPr lang="en-US" smtClean="0"/>
+              <a:rPr lang="en-US"/>
               <a:t>Second level</a:t>
             </a:r>
           </a:p>
           <a:p>
             <a:pPr lvl="2"/>
             <a:r>
-              <a:rPr lang="en-US" smtClean="0"/>
+              <a:rPr lang="en-US"/>
               <a:t>Third level</a:t>
             </a:r>
           </a:p>
           <a:p>
             <a:pPr lvl="3"/>
             <a:r>
-              <a:rPr lang="en-US" smtClean="0"/>
+              <a:rPr lang="en-US"/>
               <a:t>Fourth level</a:t>
             </a:r>
           </a:p>
           <a:p>
             <a:pPr lvl="4"/>
             <a:r>
-              <a:rPr lang="en-US" smtClean="0"/>
+              <a:rPr lang="en-US"/>
               <a:t>Fifth level</a:t>
             </a:r>
-            <a:endParaRPr lang="en-US"/>
           </a:p>
         </p:txBody>
       </p:sp>
@@ -4742,7 +4580,7 @@
               <a:pPr>
                 <a:defRPr/>
               </a:pPr>
-              <a:t>24-11-2016</a:t>
+              <a:t>28-12-2019</a:t>
             </a:fld>
             <a:endParaRPr lang="nl-NL" b="0">
               <a:solidFill>
@@ -4911,7 +4749,7 @@
           </a:lstStyle>
           <a:p>
             <a:r>
-              <a:rPr lang="nl-NL" smtClean="0"/>
+              <a:rPr lang="nl-NL"/>
               <a:t>Klik om de stijl te bewerken</a:t>
             </a:r>
             <a:endParaRPr lang="nl-NL" dirty="0"/>
@@ -4966,38 +4804,37 @@
           <a:p>
             <a:pPr lvl="0"/>
             <a:r>
-              <a:rPr lang="nl-NL" smtClean="0"/>
+              <a:rPr lang="nl-NL"/>
               <a:t>Klik om de modelstijlen te bewerken</a:t>
             </a:r>
           </a:p>
           <a:p>
             <a:pPr lvl="1"/>
             <a:r>
-              <a:rPr lang="nl-NL" smtClean="0"/>
+              <a:rPr lang="nl-NL"/>
               <a:t>Tweede niveau</a:t>
             </a:r>
           </a:p>
           <a:p>
             <a:pPr lvl="2"/>
             <a:r>
-              <a:rPr lang="nl-NL" smtClean="0"/>
+              <a:rPr lang="nl-NL"/>
               <a:t>Derde niveau</a:t>
             </a:r>
           </a:p>
           <a:p>
             <a:pPr lvl="3"/>
             <a:r>
-              <a:rPr lang="nl-NL" smtClean="0"/>
+              <a:rPr lang="nl-NL"/>
               <a:t>Vierde niveau</a:t>
             </a:r>
           </a:p>
           <a:p>
             <a:pPr lvl="4"/>
             <a:r>
-              <a:rPr lang="nl-NL" smtClean="0"/>
+              <a:rPr lang="nl-NL"/>
               <a:t>Vijfde niveau</a:t>
             </a:r>
-            <a:endParaRPr lang="nl-NL"/>
           </a:p>
         </p:txBody>
       </p:sp>
@@ -5045,10 +4882,9 @@
               <a:defRPr/>
             </a:pPr>
             <a:r>
-              <a:rPr lang="nl-NL" smtClean="0"/>
+              <a:rPr lang="nl-NL"/>
               <a:t>Fontys Hogeschool ICT</a:t>
             </a:r>
-            <a:endParaRPr lang="nl-NL"/>
           </a:p>
         </p:txBody>
       </p:sp>
@@ -5130,10 +4966,9 @@
           <a:lstStyle/>
           <a:p>
             <a:r>
-              <a:rPr lang="nl-NL" smtClean="0"/>
+              <a:rPr lang="nl-NL"/>
               <a:t>Klik om de stijl te bewerken</a:t>
             </a:r>
-            <a:endParaRPr lang="nl-NL"/>
           </a:p>
         </p:txBody>
       </p:sp>
@@ -5218,38 +5053,37 @@
           <a:p>
             <a:pPr lvl="0"/>
             <a:r>
-              <a:rPr lang="nl-NL" smtClean="0"/>
+              <a:rPr lang="nl-NL"/>
               <a:t>Klik om de modelstijlen te bewerken</a:t>
             </a:r>
           </a:p>
           <a:p>
             <a:pPr lvl="1"/>
             <a:r>
-              <a:rPr lang="nl-NL" smtClean="0"/>
+              <a:rPr lang="nl-NL"/>
               <a:t>Tweede niveau</a:t>
             </a:r>
           </a:p>
           <a:p>
             <a:pPr lvl="2"/>
             <a:r>
-              <a:rPr lang="nl-NL" smtClean="0"/>
+              <a:rPr lang="nl-NL"/>
               <a:t>Derde niveau</a:t>
             </a:r>
           </a:p>
           <a:p>
             <a:pPr lvl="3"/>
             <a:r>
-              <a:rPr lang="nl-NL" smtClean="0"/>
+              <a:rPr lang="nl-NL"/>
               <a:t>Vierde niveau</a:t>
             </a:r>
           </a:p>
           <a:p>
             <a:pPr lvl="4"/>
             <a:r>
-              <a:rPr lang="nl-NL" smtClean="0"/>
+              <a:rPr lang="nl-NL"/>
               <a:t>Vijfde niveau</a:t>
             </a:r>
-            <a:endParaRPr lang="nl-NL"/>
           </a:p>
         </p:txBody>
       </p:sp>
@@ -5297,10 +5131,9 @@
               <a:defRPr/>
             </a:pPr>
             <a:r>
-              <a:rPr lang="nl-NL" smtClean="0"/>
+              <a:rPr lang="nl-NL"/>
               <a:t>Fontys Hogeschool ICT</a:t>
             </a:r>
-            <a:endParaRPr lang="nl-NL"/>
           </a:p>
         </p:txBody>
       </p:sp>
@@ -5447,38 +5280,37 @@
           <a:p>
             <a:pPr lvl="0"/>
             <a:r>
-              <a:rPr lang="nl-NL" smtClean="0"/>
+              <a:rPr lang="nl-NL"/>
               <a:t>Klik om de modelstijlen te bewerken</a:t>
             </a:r>
           </a:p>
           <a:p>
             <a:pPr lvl="1"/>
             <a:r>
-              <a:rPr lang="nl-NL" smtClean="0"/>
+              <a:rPr lang="nl-NL"/>
               <a:t>Tweede niveau</a:t>
             </a:r>
           </a:p>
           <a:p>
             <a:pPr lvl="2"/>
             <a:r>
-              <a:rPr lang="nl-NL" smtClean="0"/>
+              <a:rPr lang="nl-NL"/>
               <a:t>Derde niveau</a:t>
             </a:r>
           </a:p>
           <a:p>
             <a:pPr lvl="3"/>
             <a:r>
-              <a:rPr lang="nl-NL" smtClean="0"/>
+              <a:rPr lang="nl-NL"/>
               <a:t>Vierde niveau</a:t>
             </a:r>
           </a:p>
           <a:p>
             <a:pPr lvl="4"/>
             <a:r>
-              <a:rPr lang="nl-NL" smtClean="0"/>
+              <a:rPr lang="nl-NL"/>
               <a:t>Vijfde niveau</a:t>
             </a:r>
-            <a:endParaRPr lang="nl-NL"/>
           </a:p>
         </p:txBody>
       </p:sp>
@@ -5526,10 +5358,9 @@
               <a:defRPr/>
             </a:pPr>
             <a:r>
-              <a:rPr lang="nl-NL" smtClean="0"/>
+              <a:rPr lang="nl-NL"/>
               <a:t>Fontys Hogeschool ICT</a:t>
             </a:r>
-            <a:endParaRPr lang="nl-NL"/>
           </a:p>
         </p:txBody>
       </p:sp>
@@ -5647,10 +5478,9 @@
           <a:lstStyle/>
           <a:p>
             <a:r>
-              <a:rPr lang="en-US" smtClean="0"/>
+              <a:rPr lang="en-US"/>
               <a:t>Click to edit Master title style</a:t>
             </a:r>
-            <a:endParaRPr lang="en-US"/>
           </a:p>
         </p:txBody>
       </p:sp>
@@ -5712,10 +5542,9 @@
           </a:lstStyle>
           <a:p>
             <a:r>
-              <a:rPr lang="en-US" smtClean="0"/>
+              <a:rPr lang="en-US"/>
               <a:t>Click to edit Master subtitle style</a:t>
             </a:r>
-            <a:endParaRPr lang="en-US"/>
           </a:p>
         </p:txBody>
       </p:sp>
@@ -5754,7 +5583,7 @@
               <a:pPr>
                 <a:defRPr/>
               </a:pPr>
-              <a:t>24-11-2016</a:t>
+              <a:t>28-12-2019</a:t>
             </a:fld>
             <a:endParaRPr lang="nl-NL" b="0">
               <a:solidFill>
@@ -5880,10 +5709,9 @@
           <a:lstStyle/>
           <a:p>
             <a:r>
-              <a:rPr lang="en-US" smtClean="0"/>
+              <a:rPr lang="en-US"/>
               <a:t>Click to edit Master title style</a:t>
             </a:r>
-            <a:endParaRPr lang="en-US"/>
           </a:p>
         </p:txBody>
       </p:sp>
@@ -5904,38 +5732,37 @@
           <a:p>
             <a:pPr lvl="0"/>
             <a:r>
-              <a:rPr lang="en-US" smtClean="0"/>
+              <a:rPr lang="en-US"/>
               <a:t>Click to edit Master text styles</a:t>
             </a:r>
           </a:p>
           <a:p>
             <a:pPr lvl="1"/>
             <a:r>
-              <a:rPr lang="en-US" smtClean="0"/>
+              <a:rPr lang="en-US"/>
               <a:t>Second level</a:t>
             </a:r>
           </a:p>
           <a:p>
             <a:pPr lvl="2"/>
             <a:r>
-              <a:rPr lang="en-US" smtClean="0"/>
+              <a:rPr lang="en-US"/>
               <a:t>Third level</a:t>
             </a:r>
           </a:p>
           <a:p>
             <a:pPr lvl="3"/>
             <a:r>
-              <a:rPr lang="en-US" smtClean="0"/>
+              <a:rPr lang="en-US"/>
               <a:t>Fourth level</a:t>
             </a:r>
           </a:p>
           <a:p>
             <a:pPr lvl="4"/>
             <a:r>
-              <a:rPr lang="en-US" smtClean="0"/>
+              <a:rPr lang="en-US"/>
               <a:t>Fifth level</a:t>
             </a:r>
-            <a:endParaRPr lang="en-US"/>
           </a:p>
         </p:txBody>
       </p:sp>
@@ -5974,7 +5801,7 @@
               <a:pPr>
                 <a:defRPr/>
               </a:pPr>
-              <a:t>24-11-2016</a:t>
+              <a:t>28-12-2019</a:t>
             </a:fld>
             <a:endParaRPr lang="nl-NL" b="0">
               <a:solidFill>
@@ -6143,7 +5970,7 @@
           </a:lstStyle>
           <a:p>
             <a:r>
-              <a:rPr lang="nl-NL" smtClean="0"/>
+              <a:rPr lang="nl-NL"/>
               <a:t>Klik om de stijl te bewerken</a:t>
             </a:r>
             <a:endParaRPr lang="nl-NL" dirty="0"/>
@@ -6198,38 +6025,37 @@
           <a:p>
             <a:pPr lvl="0"/>
             <a:r>
-              <a:rPr lang="nl-NL" smtClean="0"/>
+              <a:rPr lang="nl-NL"/>
               <a:t>Klik om de modelstijlen te bewerken</a:t>
             </a:r>
           </a:p>
           <a:p>
             <a:pPr lvl="1"/>
             <a:r>
-              <a:rPr lang="nl-NL" smtClean="0"/>
+              <a:rPr lang="nl-NL"/>
               <a:t>Tweede niveau</a:t>
             </a:r>
           </a:p>
           <a:p>
             <a:pPr lvl="2"/>
             <a:r>
-              <a:rPr lang="nl-NL" smtClean="0"/>
+              <a:rPr lang="nl-NL"/>
               <a:t>Derde niveau</a:t>
             </a:r>
           </a:p>
           <a:p>
             <a:pPr lvl="3"/>
             <a:r>
-              <a:rPr lang="nl-NL" smtClean="0"/>
+              <a:rPr lang="nl-NL"/>
               <a:t>Vierde niveau</a:t>
             </a:r>
           </a:p>
           <a:p>
             <a:pPr lvl="4"/>
             <a:r>
-              <a:rPr lang="nl-NL" smtClean="0"/>
+              <a:rPr lang="nl-NL"/>
               <a:t>Vijfde niveau</a:t>
             </a:r>
-            <a:endParaRPr lang="nl-NL"/>
           </a:p>
         </p:txBody>
       </p:sp>
@@ -6277,10 +6103,9 @@
               <a:defRPr/>
             </a:pPr>
             <a:r>
-              <a:rPr lang="nl-NL" smtClean="0"/>
+              <a:rPr lang="nl-NL"/>
               <a:t>Fontys Hogeschool ICT</a:t>
             </a:r>
-            <a:endParaRPr lang="nl-NL"/>
           </a:p>
         </p:txBody>
       </p:sp>
@@ -6362,10 +6187,9 @@
           <a:lstStyle/>
           <a:p>
             <a:r>
-              <a:rPr lang="nl-NL" smtClean="0"/>
+              <a:rPr lang="nl-NL"/>
               <a:t>Klik om de stijl te bewerken</a:t>
             </a:r>
-            <a:endParaRPr lang="nl-NL"/>
           </a:p>
         </p:txBody>
       </p:sp>
@@ -6450,38 +6274,37 @@
           <a:p>
             <a:pPr lvl="0"/>
             <a:r>
-              <a:rPr lang="nl-NL" smtClean="0"/>
+              <a:rPr lang="nl-NL"/>
               <a:t>Klik om de modelstijlen te bewerken</a:t>
             </a:r>
           </a:p>
           <a:p>
             <a:pPr lvl="1"/>
             <a:r>
-              <a:rPr lang="nl-NL" smtClean="0"/>
+              <a:rPr lang="nl-NL"/>
               <a:t>Tweede niveau</a:t>
             </a:r>
           </a:p>
           <a:p>
             <a:pPr lvl="2"/>
             <a:r>
-              <a:rPr lang="nl-NL" smtClean="0"/>
+              <a:rPr lang="nl-NL"/>
               <a:t>Derde niveau</a:t>
             </a:r>
           </a:p>
           <a:p>
             <a:pPr lvl="3"/>
             <a:r>
-              <a:rPr lang="nl-NL" smtClean="0"/>
+              <a:rPr lang="nl-NL"/>
               <a:t>Vierde niveau</a:t>
             </a:r>
           </a:p>
           <a:p>
             <a:pPr lvl="4"/>
             <a:r>
-              <a:rPr lang="nl-NL" smtClean="0"/>
+              <a:rPr lang="nl-NL"/>
               <a:t>Vijfde niveau</a:t>
             </a:r>
-            <a:endParaRPr lang="nl-NL"/>
           </a:p>
         </p:txBody>
       </p:sp>
@@ -6529,10 +6352,9 @@
               <a:defRPr/>
             </a:pPr>
             <a:r>
-              <a:rPr lang="nl-NL" smtClean="0"/>
+              <a:rPr lang="nl-NL"/>
               <a:t>Fontys Hogeschool ICT</a:t>
             </a:r>
-            <a:endParaRPr lang="nl-NL"/>
           </a:p>
         </p:txBody>
       </p:sp>
@@ -6650,10 +6472,9 @@
           <a:lstStyle/>
           <a:p>
             <a:r>
-              <a:rPr lang="en-US" smtClean="0"/>
+              <a:rPr lang="en-US"/>
               <a:t>Click to edit Master title style</a:t>
             </a:r>
-            <a:endParaRPr lang="en-US"/>
           </a:p>
         </p:txBody>
       </p:sp>
@@ -6715,10 +6536,9 @@
           </a:lstStyle>
           <a:p>
             <a:r>
-              <a:rPr lang="en-US" smtClean="0"/>
+              <a:rPr lang="en-US"/>
               <a:t>Click to edit Master subtitle style</a:t>
             </a:r>
-            <a:endParaRPr lang="en-US"/>
           </a:p>
         </p:txBody>
       </p:sp>
@@ -6757,7 +6577,7 @@
               <a:pPr>
                 <a:defRPr/>
               </a:pPr>
-              <a:t>24-11-2016</a:t>
+              <a:t>28-12-2019</a:t>
             </a:fld>
             <a:endParaRPr lang="nl-NL" b="0">
               <a:solidFill>
@@ -6928,7 +6748,7 @@
               </a14:hiddenEffects>
             </a:ext>
             <a:ext uri="{FAA26D3D-D897-4be2-8F04-BA451C77F1D7}">
-              <ma14:placeholderFlag xmlns="" xmlns:ma14="http://schemas.microsoft.com/office/mac/drawingml/2011/main" val="1"/>
+              <ma14:placeholderFlag xmlns:ma14="http://schemas.microsoft.com/office/mac/drawingml/2011/main" xmlns="" val="1"/>
             </a:ext>
           </a:extLst>
         </p:spPr>
@@ -7002,10 +6822,9 @@
               <a:defRPr/>
             </a:pPr>
             <a:r>
-              <a:rPr lang="nl-NL" smtClean="0"/>
+              <a:rPr lang="nl-NL"/>
               <a:t>Fontys Hogeschool ICT</a:t>
             </a:r>
-            <a:endParaRPr lang="nl-NL"/>
           </a:p>
         </p:txBody>
       </p:sp>
@@ -7154,7 +6973,7 @@
               </a14:hiddenEffects>
             </a:ext>
             <a:ext uri="{FAA26D3D-D897-4be2-8F04-BA451C77F1D7}">
-              <ma14:placeholderFlag xmlns="" xmlns:ma14="http://schemas.microsoft.com/office/mac/drawingml/2011/main" val="1"/>
+              <ma14:placeholderFlag xmlns:ma14="http://schemas.microsoft.com/office/mac/drawingml/2011/main" xmlns="" val="1"/>
             </a:ext>
           </a:extLst>
         </p:spPr>
@@ -7281,13 +7100,6 @@
     <p:sldLayoutId id="2147484013" r:id="rId4"/>
     <p:sldLayoutId id="2147484014" r:id="rId5"/>
   </p:sldLayoutIdLst>
-  <p:timing>
-    <p:tnLst>
-      <p:par>
-        <p:cTn id="1" dur="indefinite" restart="never" nodeType="tmRoot"/>
-      </p:par>
-    </p:tnLst>
-  </p:timing>
   <p:hf sldNum="0" hdr="0" dt="0"/>
   <p:txStyles>
     <p:titleStyle>
@@ -7756,7 +7568,7 @@
               </a14:hiddenEffects>
             </a:ext>
             <a:ext uri="{FAA26D3D-D897-4be2-8F04-BA451C77F1D7}">
-              <ma14:placeholderFlag xmlns="" xmlns:ma14="http://schemas.microsoft.com/office/mac/drawingml/2011/main" val="1"/>
+              <ma14:placeholderFlag xmlns:ma14="http://schemas.microsoft.com/office/mac/drawingml/2011/main" xmlns="" val="1"/>
             </a:ext>
           </a:extLst>
         </p:spPr>
@@ -7830,10 +7642,9 @@
               <a:defRPr/>
             </a:pPr>
             <a:r>
-              <a:rPr lang="nl-NL" smtClean="0"/>
+              <a:rPr lang="nl-NL"/>
               <a:t>Fontys Hogeschool ICT</a:t>
             </a:r>
-            <a:endParaRPr lang="nl-NL"/>
           </a:p>
         </p:txBody>
       </p:sp>
@@ -7982,7 +7793,7 @@
               </a14:hiddenEffects>
             </a:ext>
             <a:ext uri="{FAA26D3D-D897-4be2-8F04-BA451C77F1D7}">
-              <ma14:placeholderFlag xmlns="" xmlns:ma14="http://schemas.microsoft.com/office/mac/drawingml/2011/main" val="1"/>
+              <ma14:placeholderFlag xmlns:ma14="http://schemas.microsoft.com/office/mac/drawingml/2011/main" xmlns="" val="1"/>
             </a:ext>
           </a:extLst>
         </p:spPr>
@@ -8109,13 +7920,6 @@
     <p:sldLayoutId id="2147484019" r:id="rId4"/>
     <p:sldLayoutId id="2147484020" r:id="rId5"/>
   </p:sldLayoutIdLst>
-  <p:timing>
-    <p:tnLst>
-      <p:par>
-        <p:cTn id="1" dur="indefinite" restart="never" nodeType="tmRoot"/>
-      </p:par>
-    </p:tnLst>
-  </p:timing>
   <p:hf sldNum="0" hdr="0" dt="0"/>
   <p:txStyles>
     <p:titleStyle>
@@ -8584,7 +8388,7 @@
               </a14:hiddenEffects>
             </a:ext>
             <a:ext uri="{FAA26D3D-D897-4be2-8F04-BA451C77F1D7}">
-              <ma14:placeholderFlag xmlns="" xmlns:ma14="http://schemas.microsoft.com/office/mac/drawingml/2011/main" val="1"/>
+              <ma14:placeholderFlag xmlns:ma14="http://schemas.microsoft.com/office/mac/drawingml/2011/main" xmlns="" val="1"/>
             </a:ext>
           </a:extLst>
         </p:spPr>
@@ -8658,10 +8462,9 @@
               <a:defRPr/>
             </a:pPr>
             <a:r>
-              <a:rPr lang="nl-NL" smtClean="0"/>
+              <a:rPr lang="nl-NL"/>
               <a:t>Fontys Hogeschool ICT</a:t>
             </a:r>
-            <a:endParaRPr lang="nl-NL"/>
           </a:p>
         </p:txBody>
       </p:sp>
@@ -8810,7 +8613,7 @@
               </a14:hiddenEffects>
             </a:ext>
             <a:ext uri="{FAA26D3D-D897-4be2-8F04-BA451C77F1D7}">
-              <ma14:placeholderFlag xmlns="" xmlns:ma14="http://schemas.microsoft.com/office/mac/drawingml/2011/main" val="1"/>
+              <ma14:placeholderFlag xmlns:ma14="http://schemas.microsoft.com/office/mac/drawingml/2011/main" xmlns="" val="1"/>
             </a:ext>
           </a:extLst>
         </p:spPr>
@@ -8937,13 +8740,6 @@
     <p:sldLayoutId id="2147484037" r:id="rId4"/>
     <p:sldLayoutId id="2147484038" r:id="rId5"/>
   </p:sldLayoutIdLst>
-  <p:timing>
-    <p:tnLst>
-      <p:par>
-        <p:cTn id="1" dur="indefinite" restart="never" nodeType="tmRoot"/>
-      </p:par>
-    </p:tnLst>
-  </p:timing>
   <p:hf sldNum="0" hdr="0" dt="0"/>
   <p:txStyles>
     <p:titleStyle>
@@ -9412,7 +9208,7 @@
               </a14:hiddenEffects>
             </a:ext>
             <a:ext uri="{FAA26D3D-D897-4be2-8F04-BA451C77F1D7}">
-              <ma14:placeholderFlag xmlns="" xmlns:ma14="http://schemas.microsoft.com/office/mac/drawingml/2011/main" val="1"/>
+              <ma14:placeholderFlag xmlns:ma14="http://schemas.microsoft.com/office/mac/drawingml/2011/main" xmlns="" val="1"/>
             </a:ext>
           </a:extLst>
         </p:spPr>
@@ -9486,10 +9282,9 @@
               <a:defRPr/>
             </a:pPr>
             <a:r>
-              <a:rPr lang="nl-NL" smtClean="0"/>
+              <a:rPr lang="nl-NL"/>
               <a:t>Fontys Hogeschool ICT</a:t>
             </a:r>
-            <a:endParaRPr lang="nl-NL"/>
           </a:p>
         </p:txBody>
       </p:sp>
@@ -9638,7 +9433,7 @@
               </a14:hiddenEffects>
             </a:ext>
             <a:ext uri="{FAA26D3D-D897-4be2-8F04-BA451C77F1D7}">
-              <ma14:placeholderFlag xmlns="" xmlns:ma14="http://schemas.microsoft.com/office/mac/drawingml/2011/main" val="1"/>
+              <ma14:placeholderFlag xmlns:ma14="http://schemas.microsoft.com/office/mac/drawingml/2011/main" xmlns="" val="1"/>
             </a:ext>
           </a:extLst>
         </p:spPr>
@@ -9765,13 +9560,6 @@
     <p:sldLayoutId id="2147484043" r:id="rId4"/>
     <p:sldLayoutId id="2147484044" r:id="rId5"/>
   </p:sldLayoutIdLst>
-  <p:timing>
-    <p:tnLst>
-      <p:par>
-        <p:cTn id="1" dur="indefinite" restart="never" nodeType="tmRoot"/>
-      </p:par>
-    </p:tnLst>
-  </p:timing>
   <p:hf sldNum="0" hdr="0" dt="0"/>
   <p:txStyles>
     <p:titleStyle>
@@ -10240,7 +10028,7 @@
               </a14:hiddenEffects>
             </a:ext>
             <a:ext uri="{FAA26D3D-D897-4be2-8F04-BA451C77F1D7}">
-              <ma14:placeholderFlag xmlns="" xmlns:ma14="http://schemas.microsoft.com/office/mac/drawingml/2011/main" val="1"/>
+              <ma14:placeholderFlag xmlns:ma14="http://schemas.microsoft.com/office/mac/drawingml/2011/main" xmlns="" val="1"/>
             </a:ext>
           </a:extLst>
         </p:spPr>
@@ -10314,10 +10102,9 @@
               <a:defRPr/>
             </a:pPr>
             <a:r>
-              <a:rPr lang="nl-NL" smtClean="0"/>
+              <a:rPr lang="nl-NL"/>
               <a:t>Fontys Hogeschool ICT</a:t>
             </a:r>
-            <a:endParaRPr lang="nl-NL"/>
           </a:p>
         </p:txBody>
       </p:sp>
@@ -10466,7 +10253,7 @@
               </a14:hiddenEffects>
             </a:ext>
             <a:ext uri="{FAA26D3D-D897-4be2-8F04-BA451C77F1D7}">
-              <ma14:placeholderFlag xmlns="" xmlns:ma14="http://schemas.microsoft.com/office/mac/drawingml/2011/main" val="1"/>
+              <ma14:placeholderFlag xmlns:ma14="http://schemas.microsoft.com/office/mac/drawingml/2011/main" xmlns="" val="1"/>
             </a:ext>
           </a:extLst>
         </p:spPr>
@@ -10593,13 +10380,6 @@
     <p:sldLayoutId id="2147484049" r:id="rId4"/>
     <p:sldLayoutId id="2147484050" r:id="rId5"/>
   </p:sldLayoutIdLst>
-  <p:timing>
-    <p:tnLst>
-      <p:par>
-        <p:cTn id="1" dur="indefinite" restart="never" nodeType="tmRoot"/>
-      </p:par>
-    </p:tnLst>
-  </p:timing>
   <p:hf sldNum="0" hdr="0" dt="0"/>
   <p:txStyles>
     <p:titleStyle>
@@ -11068,7 +10848,7 @@
               </a14:hiddenEffects>
             </a:ext>
             <a:ext uri="{FAA26D3D-D897-4be2-8F04-BA451C77F1D7}">
-              <ma14:placeholderFlag xmlns="" xmlns:ma14="http://schemas.microsoft.com/office/mac/drawingml/2011/main" val="1"/>
+              <ma14:placeholderFlag xmlns:ma14="http://schemas.microsoft.com/office/mac/drawingml/2011/main" xmlns="" val="1"/>
             </a:ext>
           </a:extLst>
         </p:spPr>
@@ -11142,10 +10922,9 @@
               <a:defRPr/>
             </a:pPr>
             <a:r>
-              <a:rPr lang="nl-NL" smtClean="0"/>
+              <a:rPr lang="nl-NL"/>
               <a:t>Fontys Hogeschool ICT</a:t>
             </a:r>
-            <a:endParaRPr lang="nl-NL"/>
           </a:p>
         </p:txBody>
       </p:sp>
@@ -11294,7 +11073,7 @@
               </a14:hiddenEffects>
             </a:ext>
             <a:ext uri="{FAA26D3D-D897-4be2-8F04-BA451C77F1D7}">
-              <ma14:placeholderFlag xmlns="" xmlns:ma14="http://schemas.microsoft.com/office/mac/drawingml/2011/main" val="1"/>
+              <ma14:placeholderFlag xmlns:ma14="http://schemas.microsoft.com/office/mac/drawingml/2011/main" xmlns="" val="1"/>
             </a:ext>
           </a:extLst>
         </p:spPr>
@@ -11419,13 +11198,6 @@
     <p:sldLayoutId id="2147484053" r:id="rId2"/>
     <p:sldLayoutId id="2147484054" r:id="rId3"/>
   </p:sldLayoutIdLst>
-  <p:timing>
-    <p:tnLst>
-      <p:par>
-        <p:cTn id="1" dur="indefinite" restart="never" nodeType="tmRoot"/>
-      </p:par>
-    </p:tnLst>
-  </p:timing>
   <p:hf sldNum="0" hdr="0" dt="0"/>
   <p:txStyles>
     <p:titleStyle>
@@ -11854,27 +11626,20 @@
           <a:lstStyle/>
           <a:p>
             <a:r>
-              <a:rPr lang="nl-NL" b="0" smtClean="0">
+              <a:rPr lang="nl-NL" b="0" dirty="0">
                 <a:latin typeface="Helvetica Light"/>
                 <a:cs typeface="Helvetica Light"/>
               </a:rPr>
-              <a:t>FUN12 – Collecties 3</a:t>
-            </a:r>
-            <a:r>
-              <a:rPr lang="nl-NL" sz="2400" b="0" dirty="0" smtClean="0">
-                <a:latin typeface="Helvetica Light"/>
-                <a:cs typeface="Helvetica Light"/>
-              </a:rPr>
-              <a:t/>
+              <a:t>Collecties 3</a:t>
             </a:r>
             <a:br>
-              <a:rPr lang="nl-NL" sz="2400" b="0" dirty="0" smtClean="0">
+              <a:rPr lang="nl-NL" sz="2400" b="0" dirty="0">
                 <a:latin typeface="Helvetica Light"/>
                 <a:cs typeface="Helvetica Light"/>
               </a:rPr>
             </a:br>
             <a:r>
-              <a:rPr lang="nl-NL" sz="7200" b="0" dirty="0" smtClean="0">
+              <a:rPr lang="nl-NL" sz="7200" b="0" dirty="0">
                 <a:solidFill>
                   <a:schemeClr val="bg1">
                     <a:lumMod val="95000"/>
@@ -11885,15 +11650,6 @@
               </a:rPr>
               <a:t>List methodes</a:t>
             </a:r>
-            <a:endParaRPr lang="nl-NL" sz="7200" b="0" dirty="0">
-              <a:solidFill>
-                <a:schemeClr val="bg1">
-                  <a:lumMod val="95000"/>
-                </a:schemeClr>
-              </a:solidFill>
-              <a:latin typeface="Helvetica Light"/>
-              <a:cs typeface="Helvetica Light"/>
-            </a:endParaRPr>
           </a:p>
         </p:txBody>
       </p:sp>
@@ -11907,13 +11663,6 @@
   <p:clrMapOvr>
     <a:masterClrMapping/>
   </p:clrMapOvr>
-  <p:timing>
-    <p:tnLst>
-      <p:par>
-        <p:cTn id="1" dur="indefinite" restart="never" nodeType="tmRoot"/>
-      </p:par>
-    </p:tnLst>
-  </p:timing>
 </p:sld>
 </file>
 
@@ -11953,28 +11702,28 @@
               <a:buNone/>
             </a:pPr>
             <a:r>
-              <a:rPr lang="nl-NL" sz="3600" b="1" dirty="0" err="1" smtClean="0">
+              <a:rPr lang="nl-NL" sz="3600" b="1" dirty="0" err="1">
                 <a:latin typeface="Helvetica Light"/>
                 <a:cs typeface="Helvetica Light"/>
               </a:rPr>
               <a:t>Contains</a:t>
             </a:r>
             <a:r>
-              <a:rPr lang="nl-NL" sz="3600" dirty="0" smtClean="0">
+              <a:rPr lang="nl-NL" sz="3600" dirty="0">
                 <a:latin typeface="Helvetica Light"/>
                 <a:cs typeface="Helvetica Light"/>
               </a:rPr>
               <a:t> en </a:t>
             </a:r>
             <a:r>
-              <a:rPr lang="nl-NL" sz="3600" b="1" dirty="0" err="1" smtClean="0">
+              <a:rPr lang="nl-NL" sz="3600" b="1" dirty="0" err="1">
                 <a:latin typeface="Helvetica Light"/>
                 <a:cs typeface="Helvetica Light"/>
               </a:rPr>
               <a:t>IndexOf</a:t>
             </a:r>
             <a:r>
-              <a:rPr lang="nl-NL" sz="3600" dirty="0" smtClean="0">
+              <a:rPr lang="nl-NL" sz="3600" dirty="0">
                 <a:latin typeface="Helvetica Light"/>
                 <a:cs typeface="Helvetica Light"/>
               </a:rPr>
@@ -11986,7 +11735,7 @@
               <a:buNone/>
             </a:pPr>
             <a:r>
-              <a:rPr lang="nl-NL" sz="3600" dirty="0" smtClean="0">
+              <a:rPr lang="nl-NL" sz="3600" dirty="0">
                 <a:latin typeface="Helvetica Light"/>
                 <a:cs typeface="Helvetica Light"/>
               </a:rPr>
@@ -12037,16 +11786,12 @@
           <a:lstStyle/>
           <a:p>
             <a:r>
-              <a:rPr lang="nl-NL" sz="6000" noProof="0" dirty="0" smtClean="0">
+              <a:rPr lang="nl-NL" sz="6000" noProof="0" dirty="0">
                 <a:latin typeface="Helvetica Light"/>
                 <a:cs typeface="Helvetica Light"/>
               </a:rPr>
               <a:t>Onderwerpen</a:t>
             </a:r>
-            <a:endParaRPr lang="nl-NL" sz="6000" noProof="0" dirty="0">
-              <a:latin typeface="Helvetica Light"/>
-              <a:cs typeface="Helvetica Light"/>
-            </a:endParaRPr>
           </a:p>
         </p:txBody>
       </p:sp>
@@ -12060,13 +11805,6 @@
   <p:clrMapOvr>
     <a:masterClrMapping/>
   </p:clrMapOvr>
-  <p:timing>
-    <p:tnLst>
-      <p:par>
-        <p:cTn id="1" dur="indefinite" restart="never" nodeType="tmRoot"/>
-      </p:par>
-    </p:tnLst>
-  </p:timing>
 </p:sld>
 </file>
 
@@ -12154,7 +11892,7 @@
               <a:t>&gt; </a:t>
             </a:r>
             <a:r>
-              <a:rPr lang="en-US" sz="2800" dirty="0" err="1" smtClean="0">
+              <a:rPr lang="en-US" sz="2800" dirty="0" err="1">
                 <a:solidFill>
                   <a:srgbClr val="000000"/>
                 </a:solidFill>
@@ -12166,7 +11904,7 @@
               <a:t>talen</a:t>
             </a:r>
             <a:r>
-              <a:rPr lang="en-US" sz="2800" dirty="0" smtClean="0">
+              <a:rPr lang="en-US" sz="2800" dirty="0">
                 <a:solidFill>
                   <a:srgbClr val="000000"/>
                 </a:solidFill>
@@ -12178,7 +11916,7 @@
               <a:t> = </a:t>
             </a:r>
             <a:r>
-              <a:rPr lang="en-US" sz="2800" dirty="0" smtClean="0">
+              <a:rPr lang="en-US" sz="2800" dirty="0">
                 <a:solidFill>
                   <a:srgbClr val="0000FF"/>
                 </a:solidFill>
@@ -12190,7 +11928,7 @@
               <a:t>new </a:t>
             </a:r>
             <a:r>
-              <a:rPr lang="en-US" sz="2800" dirty="0" smtClean="0">
+              <a:rPr lang="en-US" sz="2800" dirty="0">
                 <a:solidFill>
                   <a:srgbClr val="2B91AF"/>
                 </a:solidFill>
@@ -12202,7 +11940,7 @@
               <a:t>List</a:t>
             </a:r>
             <a:r>
-              <a:rPr lang="en-US" sz="2800" dirty="0" smtClean="0">
+              <a:rPr lang="en-US" sz="2800" dirty="0">
                 <a:solidFill>
                   <a:srgbClr val="000000"/>
                 </a:solidFill>
@@ -12214,7 +11952,7 @@
               <a:t>&lt;</a:t>
             </a:r>
             <a:r>
-              <a:rPr lang="en-US" sz="2800" dirty="0" smtClean="0">
+              <a:rPr lang="en-US" sz="2800" dirty="0">
                 <a:solidFill>
                   <a:srgbClr val="0000FF"/>
                 </a:solidFill>
@@ -12226,7 +11964,7 @@
               <a:t>string</a:t>
             </a:r>
             <a:r>
-              <a:rPr lang="en-US" sz="2800" dirty="0" smtClean="0">
+              <a:rPr lang="en-US" sz="2800" dirty="0">
                 <a:solidFill>
                   <a:srgbClr val="000000"/>
                 </a:solidFill>
@@ -12237,21 +11975,12 @@
               </a:rPr>
               <a:t>&gt;();</a:t>
             </a:r>
-            <a:endParaRPr lang="en-US" sz="2800" dirty="0">
-              <a:solidFill>
-                <a:srgbClr val="000000"/>
-              </a:solidFill>
-              <a:highlight>
-                <a:srgbClr val="FFFFFF"/>
-              </a:highlight>
-              <a:latin typeface="Consolas"/>
-            </a:endParaRPr>
           </a:p>
           <a:p>
             <a:pPr marL="0" indent="0">
               <a:buNone/>
             </a:pPr>
-            <a:endParaRPr lang="en-US" sz="3100" dirty="0" smtClean="0">
+            <a:endParaRPr lang="en-US" sz="3100" dirty="0">
               <a:solidFill>
                 <a:srgbClr val="000000"/>
               </a:solidFill>
@@ -12278,109 +12007,6 @@
               <a:t>talen.Add</a:t>
             </a:r>
             <a:r>
-              <a:rPr lang="en-US" sz="3100" dirty="0" smtClean="0">
-                <a:solidFill>
-                  <a:srgbClr val="000000"/>
-                </a:solidFill>
-                <a:highlight>
-                  <a:srgbClr val="FFFFFF"/>
-                </a:highlight>
-                <a:latin typeface="Consolas"/>
-              </a:rPr>
-              <a:t>(</a:t>
-            </a:r>
-            <a:r>
-              <a:rPr lang="en-US" sz="3100" dirty="0">
-                <a:solidFill>
-                  <a:srgbClr val="A31515"/>
-                </a:solidFill>
-                <a:highlight>
-                  <a:srgbClr val="FFFFFF"/>
-                </a:highlight>
-                <a:latin typeface="Consolas"/>
-              </a:rPr>
-              <a:t>"</a:t>
-            </a:r>
-            <a:r>
-              <a:rPr lang="en-US" sz="3100" dirty="0" smtClean="0">
-                <a:solidFill>
-                  <a:srgbClr val="A31515"/>
-                </a:solidFill>
-                <a:highlight>
-                  <a:srgbClr val="FFFFFF"/>
-                </a:highlight>
-                <a:latin typeface="Consolas"/>
-              </a:rPr>
-              <a:t>Java"</a:t>
-            </a:r>
-            <a:r>
-              <a:rPr lang="en-US" sz="3100" dirty="0" smtClean="0">
-                <a:solidFill>
-                  <a:srgbClr val="000000"/>
-                </a:solidFill>
-                <a:highlight>
-                  <a:srgbClr val="FFFFFF"/>
-                </a:highlight>
-                <a:latin typeface="Consolas"/>
-              </a:rPr>
-              <a:t>); ...</a:t>
-            </a:r>
-          </a:p>
-          <a:p>
-            <a:pPr marL="0" indent="0">
-              <a:buNone/>
-            </a:pPr>
-            <a:endParaRPr lang="en-US" sz="3100" dirty="0" smtClean="0">
-              <a:solidFill>
-                <a:srgbClr val="000000"/>
-              </a:solidFill>
-              <a:highlight>
-                <a:srgbClr val="FFFFFF"/>
-              </a:highlight>
-              <a:latin typeface="Consolas"/>
-            </a:endParaRPr>
-          </a:p>
-          <a:p>
-            <a:pPr marL="0" indent="0">
-              <a:buNone/>
-            </a:pPr>
-            <a:r>
-              <a:rPr lang="en-US" sz="3100" dirty="0" smtClean="0">
-                <a:solidFill>
-                  <a:srgbClr val="0000FF"/>
-                </a:solidFill>
-                <a:highlight>
-                  <a:srgbClr val="FFFFFF"/>
-                </a:highlight>
-                <a:latin typeface="Consolas"/>
-              </a:rPr>
-              <a:t>if</a:t>
-            </a:r>
-            <a:r>
-              <a:rPr lang="en-US" sz="3100" dirty="0" smtClean="0">
-                <a:solidFill>
-                  <a:srgbClr val="000000"/>
-                </a:solidFill>
-                <a:highlight>
-                  <a:srgbClr val="FFFFFF"/>
-                </a:highlight>
-                <a:latin typeface="Consolas"/>
-              </a:rPr>
-              <a:t> (</a:t>
-            </a:r>
-            <a:r>
-              <a:rPr lang="en-US" sz="3100" dirty="0" err="1" smtClean="0">
-                <a:solidFill>
-                  <a:srgbClr val="000000"/>
-                </a:solidFill>
-                <a:highlight>
-                  <a:srgbClr val="FFFFFF"/>
-                </a:highlight>
-                <a:latin typeface="Consolas"/>
-              </a:rPr>
-              <a:t>talen.Contains</a:t>
-            </a:r>
-            <a:r>
               <a:rPr lang="en-US" sz="3100" dirty="0">
                 <a:solidFill>
                   <a:srgbClr val="000000"/>
@@ -12402,6 +12028,97 @@
                 </a:highlight>
                 <a:latin typeface="Consolas"/>
               </a:rPr>
+              <a:t>"Java"</a:t>
+            </a:r>
+            <a:r>
+              <a:rPr lang="en-US" sz="3100" dirty="0">
+                <a:solidFill>
+                  <a:srgbClr val="000000"/>
+                </a:solidFill>
+                <a:highlight>
+                  <a:srgbClr val="FFFFFF"/>
+                </a:highlight>
+                <a:latin typeface="Consolas"/>
+              </a:rPr>
+              <a:t>); ...</a:t>
+            </a:r>
+          </a:p>
+          <a:p>
+            <a:pPr marL="0" indent="0">
+              <a:buNone/>
+            </a:pPr>
+            <a:endParaRPr lang="en-US" sz="3100" dirty="0">
+              <a:solidFill>
+                <a:srgbClr val="000000"/>
+              </a:solidFill>
+              <a:highlight>
+                <a:srgbClr val="FFFFFF"/>
+              </a:highlight>
+              <a:latin typeface="Consolas"/>
+            </a:endParaRPr>
+          </a:p>
+          <a:p>
+            <a:pPr marL="0" indent="0">
+              <a:buNone/>
+            </a:pPr>
+            <a:r>
+              <a:rPr lang="en-US" sz="3100" dirty="0">
+                <a:solidFill>
+                  <a:srgbClr val="0000FF"/>
+                </a:solidFill>
+                <a:highlight>
+                  <a:srgbClr val="FFFFFF"/>
+                </a:highlight>
+                <a:latin typeface="Consolas"/>
+              </a:rPr>
+              <a:t>if</a:t>
+            </a:r>
+            <a:r>
+              <a:rPr lang="en-US" sz="3100" dirty="0">
+                <a:solidFill>
+                  <a:srgbClr val="000000"/>
+                </a:solidFill>
+                <a:highlight>
+                  <a:srgbClr val="FFFFFF"/>
+                </a:highlight>
+                <a:latin typeface="Consolas"/>
+              </a:rPr>
+              <a:t> (</a:t>
+            </a:r>
+            <a:r>
+              <a:rPr lang="en-US" sz="3100" dirty="0" err="1">
+                <a:solidFill>
+                  <a:srgbClr val="000000"/>
+                </a:solidFill>
+                <a:highlight>
+                  <a:srgbClr val="FFFFFF"/>
+                </a:highlight>
+                <a:latin typeface="Consolas"/>
+              </a:rPr>
+              <a:t>talen.Contains</a:t>
+            </a:r>
+            <a:r>
+              <a:rPr lang="en-US" sz="3100" dirty="0">
+                <a:solidFill>
+                  <a:srgbClr val="000000"/>
+                </a:solidFill>
+                <a:highlight>
+                  <a:srgbClr val="FFFFFF"/>
+                </a:highlight>
+                <a:latin typeface="Consolas"/>
+              </a:rPr>
+              <a:t>(</a:t>
+            </a:r>
+            <a:r>
+              <a:rPr lang="en-US" sz="3100" dirty="0">
+                <a:solidFill>
+                  <a:srgbClr val="A31515"/>
+                </a:solidFill>
+                <a:highlight>
+                  <a:srgbClr val="FFFFFF"/>
+                </a:highlight>
+                <a:latin typeface="Consolas"/>
+              </a:rPr>
               <a:t>"C#"</a:t>
             </a:r>
             <a:r>
@@ -12496,19 +12213,7 @@
                 </a:highlight>
                 <a:latin typeface="Consolas"/>
               </a:rPr>
-              <a:t>"C# komt </a:t>
-            </a:r>
-            <a:r>
-              <a:rPr lang="nl-NL" sz="3100" dirty="0" smtClean="0">
-                <a:solidFill>
-                  <a:srgbClr val="A31515"/>
-                </a:solidFill>
-                <a:highlight>
-                  <a:srgbClr val="FFFFFF"/>
-                </a:highlight>
-                <a:latin typeface="Consolas"/>
-              </a:rPr>
-              <a:t>voor</a:t>
+              <a:t>"C# komt voor</a:t>
             </a:r>
           </a:p>
           <a:p>
@@ -12525,31 +12230,7 @@
                 </a:highlight>
                 <a:latin typeface="Consolas"/>
               </a:rPr>
-              <a:t> </a:t>
-            </a:r>
-            <a:r>
-              <a:rPr lang="nl-NL" sz="3100" dirty="0" smtClean="0">
-                <a:solidFill>
-                  <a:srgbClr val="A31515"/>
-                </a:solidFill>
-                <a:highlight>
-                  <a:srgbClr val="FFFFFF"/>
-                </a:highlight>
-                <a:latin typeface="Consolas"/>
-              </a:rPr>
-              <a:t>                    in </a:t>
-            </a:r>
-            <a:r>
-              <a:rPr lang="nl-NL" sz="3100" dirty="0">
-                <a:solidFill>
-                  <a:srgbClr val="A31515"/>
-                </a:solidFill>
-                <a:highlight>
-                  <a:srgbClr val="FFFFFF"/>
-                </a:highlight>
-                <a:latin typeface="Consolas"/>
-              </a:rPr>
-              <a:t>de lijst!"</a:t>
+              <a:t>                     in de lijst!"</a:t>
             </a:r>
             <a:r>
               <a:rPr lang="nl-NL" sz="3100" dirty="0">
@@ -12580,7 +12261,7 @@
               </a:rPr>
               <a:t>}</a:t>
             </a:r>
-            <a:endParaRPr lang="nl-NL" sz="3100" dirty="0" smtClean="0">
+            <a:endParaRPr lang="nl-NL" sz="3100" dirty="0">
               <a:latin typeface="Helvetica Light"/>
               <a:cs typeface="Helvetica Light"/>
             </a:endParaRPr>
@@ -12629,7 +12310,7 @@
           <a:lstStyle/>
           <a:p>
             <a:r>
-              <a:rPr lang="nl-NL" sz="6000" noProof="0" dirty="0" err="1" smtClean="0">
+              <a:rPr lang="nl-NL" sz="6000" noProof="0" dirty="0" err="1">
                 <a:latin typeface="Helvetica Light"/>
                 <a:cs typeface="Helvetica Light"/>
               </a:rPr>
@@ -12652,13 +12333,6 @@
   <p:clrMapOvr>
     <a:masterClrMapping/>
   </p:clrMapOvr>
-  <p:timing>
-    <p:tnLst>
-      <p:par>
-        <p:cTn id="1" dur="indefinite" restart="never" nodeType="tmRoot"/>
-      </p:par>
-    </p:tnLst>
-  </p:timing>
 </p:sld>
 </file>
 
@@ -12770,7 +12444,7 @@
               <a:t> = </a:t>
             </a:r>
             <a:r>
-              <a:rPr lang="en-US" sz="2800" dirty="0" smtClean="0">
+              <a:rPr lang="en-US" sz="2800" dirty="0">
                 <a:solidFill>
                   <a:srgbClr val="0000FF"/>
                 </a:solidFill>
@@ -12782,7 +12456,7 @@
               <a:t>new</a:t>
             </a:r>
             <a:r>
-              <a:rPr lang="en-US" sz="2800" dirty="0" smtClean="0">
+              <a:rPr lang="en-US" sz="2800" dirty="0">
                 <a:solidFill>
                   <a:srgbClr val="000000"/>
                 </a:solidFill>
@@ -12794,7 +12468,7 @@
               <a:t> </a:t>
             </a:r>
             <a:r>
-              <a:rPr lang="en-US" sz="2800" dirty="0" smtClean="0">
+              <a:rPr lang="en-US" sz="2800" dirty="0">
                 <a:solidFill>
                   <a:srgbClr val="2B91AF"/>
                 </a:solidFill>
@@ -12806,7 +12480,7 @@
               <a:t>List</a:t>
             </a:r>
             <a:r>
-              <a:rPr lang="en-US" sz="2800" dirty="0" smtClean="0">
+              <a:rPr lang="en-US" sz="2800" dirty="0">
                 <a:solidFill>
                   <a:srgbClr val="000000"/>
                 </a:solidFill>
@@ -12818,7 +12492,7 @@
               <a:t>&lt;</a:t>
             </a:r>
             <a:r>
-              <a:rPr lang="en-US" sz="2800" dirty="0" smtClean="0">
+              <a:rPr lang="en-US" sz="2800" dirty="0">
                 <a:solidFill>
                   <a:srgbClr val="0000FF"/>
                 </a:solidFill>
@@ -12841,94 +12515,6 @@
               </a:rPr>
               <a:t>&gt;();</a:t>
             </a:r>
-          </a:p>
-          <a:p>
-            <a:pPr marL="0" indent="0">
-              <a:buNone/>
-            </a:pPr>
-            <a:endParaRPr lang="en-US" sz="3100" dirty="0" smtClean="0">
-              <a:solidFill>
-                <a:srgbClr val="000000"/>
-              </a:solidFill>
-              <a:highlight>
-                <a:srgbClr val="FFFFFF"/>
-              </a:highlight>
-              <a:latin typeface="Consolas"/>
-            </a:endParaRPr>
-          </a:p>
-          <a:p>
-            <a:pPr marL="0" indent="0">
-              <a:buNone/>
-            </a:pPr>
-            <a:r>
-              <a:rPr lang="en-US" sz="3100" dirty="0" err="1">
-                <a:solidFill>
-                  <a:srgbClr val="000000"/>
-                </a:solidFill>
-                <a:highlight>
-                  <a:srgbClr val="FFFFFF"/>
-                </a:highlight>
-                <a:latin typeface="Consolas"/>
-              </a:rPr>
-              <a:t>talen.Add</a:t>
-            </a:r>
-            <a:r>
-              <a:rPr lang="en-US" sz="3100" dirty="0">
-                <a:solidFill>
-                  <a:srgbClr val="000000"/>
-                </a:solidFill>
-                <a:highlight>
-                  <a:srgbClr val="FFFFFF"/>
-                </a:highlight>
-                <a:latin typeface="Consolas"/>
-              </a:rPr>
-              <a:t>(</a:t>
-            </a:r>
-            <a:r>
-              <a:rPr lang="en-US" sz="3100" dirty="0">
-                <a:solidFill>
-                  <a:srgbClr val="A31515"/>
-                </a:solidFill>
-                <a:highlight>
-                  <a:srgbClr val="FFFFFF"/>
-                </a:highlight>
-                <a:latin typeface="Consolas"/>
-              </a:rPr>
-              <a:t>"Java"</a:t>
-            </a:r>
-            <a:r>
-              <a:rPr lang="en-US" sz="3100" dirty="0">
-                <a:solidFill>
-                  <a:srgbClr val="000000"/>
-                </a:solidFill>
-                <a:highlight>
-                  <a:srgbClr val="FFFFFF"/>
-                </a:highlight>
-                <a:latin typeface="Consolas"/>
-              </a:rPr>
-              <a:t>); </a:t>
-            </a:r>
-            <a:r>
-              <a:rPr lang="en-US" sz="3100" dirty="0" smtClean="0">
-                <a:solidFill>
-                  <a:srgbClr val="000000"/>
-                </a:solidFill>
-                <a:highlight>
-                  <a:srgbClr val="FFFFFF"/>
-                </a:highlight>
-                <a:latin typeface="Consolas"/>
-              </a:rPr>
-              <a:t>...</a:t>
-            </a:r>
-            <a:endParaRPr lang="en-US" sz="3100" dirty="0">
-              <a:solidFill>
-                <a:srgbClr val="000000"/>
-              </a:solidFill>
-              <a:highlight>
-                <a:srgbClr val="FFFFFF"/>
-              </a:highlight>
-              <a:latin typeface="Consolas"/>
-            </a:endParaRPr>
           </a:p>
           <a:p>
             <a:pPr marL="0" indent="0">
@@ -12951,6 +12537,73 @@
             <a:r>
               <a:rPr lang="en-US" sz="3100" dirty="0" err="1">
                 <a:solidFill>
+                  <a:srgbClr val="000000"/>
+                </a:solidFill>
+                <a:highlight>
+                  <a:srgbClr val="FFFFFF"/>
+                </a:highlight>
+                <a:latin typeface="Consolas"/>
+              </a:rPr>
+              <a:t>talen.Add</a:t>
+            </a:r>
+            <a:r>
+              <a:rPr lang="en-US" sz="3100" dirty="0">
+                <a:solidFill>
+                  <a:srgbClr val="000000"/>
+                </a:solidFill>
+                <a:highlight>
+                  <a:srgbClr val="FFFFFF"/>
+                </a:highlight>
+                <a:latin typeface="Consolas"/>
+              </a:rPr>
+              <a:t>(</a:t>
+            </a:r>
+            <a:r>
+              <a:rPr lang="en-US" sz="3100" dirty="0">
+                <a:solidFill>
+                  <a:srgbClr val="A31515"/>
+                </a:solidFill>
+                <a:highlight>
+                  <a:srgbClr val="FFFFFF"/>
+                </a:highlight>
+                <a:latin typeface="Consolas"/>
+              </a:rPr>
+              <a:t>"Java"</a:t>
+            </a:r>
+            <a:r>
+              <a:rPr lang="en-US" sz="3100" dirty="0">
+                <a:solidFill>
+                  <a:srgbClr val="000000"/>
+                </a:solidFill>
+                <a:highlight>
+                  <a:srgbClr val="FFFFFF"/>
+                </a:highlight>
+                <a:latin typeface="Consolas"/>
+              </a:rPr>
+              <a:t>); ...</a:t>
+            </a:r>
+          </a:p>
+          <a:p>
+            <a:pPr marL="0" indent="0">
+              <a:buNone/>
+            </a:pPr>
+            <a:endParaRPr lang="en-US" sz="3100" dirty="0">
+              <a:solidFill>
+                <a:srgbClr val="000000"/>
+              </a:solidFill>
+              <a:highlight>
+                <a:srgbClr val="FFFFFF"/>
+              </a:highlight>
+              <a:latin typeface="Consolas"/>
+            </a:endParaRPr>
+          </a:p>
+          <a:p>
+            <a:pPr marL="0" indent="0">
+              <a:buNone/>
+            </a:pPr>
+            <a:r>
+              <a:rPr lang="en-US" sz="3100" dirty="0" err="1">
+                <a:solidFill>
                   <a:srgbClr val="0000FF"/>
                 </a:solidFill>
                 <a:highlight>
@@ -13071,22 +12724,10 @@
                 </a:highlight>
                 <a:latin typeface="Consolas"/>
               </a:rPr>
-              <a:t>"C# staat op index </a:t>
-            </a:r>
-            <a:r>
-              <a:rPr lang="nl-NL" sz="3100" dirty="0" smtClean="0">
-                <a:solidFill>
-                  <a:srgbClr val="A31515"/>
-                </a:solidFill>
-                <a:highlight>
-                  <a:srgbClr val="FFFFFF"/>
-                </a:highlight>
-                <a:latin typeface="Consolas"/>
-              </a:rPr>
-              <a:t>“</a:t>
+              <a:t>"C# staat op index “</a:t>
             </a:r>
             <a:br>
-              <a:rPr lang="nl-NL" sz="3100" dirty="0" smtClean="0">
+              <a:rPr lang="nl-NL" sz="3100" dirty="0">
                 <a:solidFill>
                   <a:srgbClr val="A31515"/>
                 </a:solidFill>
@@ -13097,7 +12738,7 @@
               </a:rPr>
             </a:br>
             <a:r>
-              <a:rPr lang="nl-NL" sz="3100" dirty="0" smtClean="0">
+              <a:rPr lang="nl-NL" sz="3100" dirty="0">
                 <a:solidFill>
                   <a:srgbClr val="A31515"/>
                 </a:solidFill>
@@ -13109,18 +12750,6 @@
               <a:t>                          </a:t>
             </a:r>
             <a:r>
-              <a:rPr lang="nl-NL" sz="3100" dirty="0" smtClean="0">
-                <a:solidFill>
-                  <a:srgbClr val="000000"/>
-                </a:solidFill>
-                <a:highlight>
-                  <a:srgbClr val="FFFFFF"/>
-                </a:highlight>
-                <a:latin typeface="Consolas"/>
-              </a:rPr>
-              <a:t> </a:t>
-            </a:r>
-            <a:r>
               <a:rPr lang="nl-NL" sz="3100" dirty="0">
                 <a:solidFill>
                   <a:srgbClr val="000000"/>
@@ -13130,9 +12759,9 @@
                 </a:highlight>
                 <a:latin typeface="Consolas"/>
               </a:rPr>
-              <a:t>+ index);</a:t>
-            </a:r>
-            <a:endParaRPr lang="nl-NL" sz="3100" dirty="0" smtClean="0">
+              <a:t> + index);</a:t>
+            </a:r>
+            <a:endParaRPr lang="nl-NL" sz="3100" dirty="0">
               <a:latin typeface="Helvetica Light"/>
               <a:cs typeface="Helvetica Light"/>
             </a:endParaRPr>
@@ -13181,7 +12810,7 @@
           <a:lstStyle/>
           <a:p>
             <a:r>
-              <a:rPr lang="nl-NL" sz="6000" noProof="0" dirty="0" err="1" smtClean="0">
+              <a:rPr lang="nl-NL" sz="6000" noProof="0" dirty="0" err="1">
                 <a:latin typeface="Helvetica Light"/>
                 <a:cs typeface="Helvetica Light"/>
               </a:rPr>
@@ -13204,13 +12833,6 @@
   <p:clrMapOvr>
     <a:masterClrMapping/>
   </p:clrMapOvr>
-  <p:timing>
-    <p:tnLst>
-      <p:par>
-        <p:cTn id="1" dur="indefinite" restart="never" nodeType="tmRoot"/>
-      </p:par>
-    </p:tnLst>
-  </p:timing>
 </p:sld>
 </file>
 
@@ -13377,22 +12999,10 @@
                 </a:highlight>
                 <a:latin typeface="Consolas"/>
               </a:rPr>
-              <a:t> </a:t>
-            </a:r>
-            <a:r>
-              <a:rPr lang="en-US" sz="2800" dirty="0" smtClean="0">
-                <a:solidFill>
-                  <a:srgbClr val="0000FF"/>
-                </a:solidFill>
-                <a:highlight>
-                  <a:srgbClr val="FFFFFF"/>
-                </a:highlight>
-                <a:latin typeface="Consolas"/>
-              </a:rPr>
-              <a:t>   if</a:t>
-            </a:r>
-            <a:r>
-              <a:rPr lang="en-US" sz="2800" dirty="0" smtClean="0">
+              <a:t>    if</a:t>
+            </a:r>
+            <a:r>
+              <a:rPr lang="en-US" sz="2800" dirty="0">
                 <a:solidFill>
                   <a:srgbClr val="000000"/>
                 </a:solidFill>
@@ -13404,7 +13014,7 @@
               <a:t> (</a:t>
             </a:r>
             <a:r>
-              <a:rPr lang="en-US" sz="2800" dirty="0" err="1" smtClean="0">
+              <a:rPr lang="en-US" sz="2800" dirty="0" err="1">
                 <a:solidFill>
                   <a:srgbClr val="000000"/>
                 </a:solidFill>
@@ -13416,7 +13026,7 @@
               <a:t>email.Contains</a:t>
             </a:r>
             <a:r>
-              <a:rPr lang="en-US" sz="2800" dirty="0" smtClean="0">
+              <a:rPr lang="en-US" sz="2800" dirty="0">
                 <a:solidFill>
                   <a:srgbClr val="000000"/>
                 </a:solidFill>
@@ -13428,7 +13038,7 @@
               <a:t>(</a:t>
             </a:r>
             <a:r>
-              <a:rPr lang="en-US" sz="2800" dirty="0" smtClean="0">
+              <a:rPr lang="en-US" sz="2800" dirty="0">
                 <a:solidFill>
                   <a:srgbClr val="A31515"/>
                 </a:solidFill>
@@ -13440,7 +13050,7 @@
               <a:t>'@'</a:t>
             </a:r>
             <a:r>
-              <a:rPr lang="en-US" sz="2800" dirty="0" smtClean="0">
+              <a:rPr lang="en-US" sz="2800" dirty="0">
                 <a:solidFill>
                   <a:srgbClr val="000000"/>
                 </a:solidFill>
@@ -13457,7 +13067,7 @@
               <a:buNone/>
             </a:pPr>
             <a:r>
-              <a:rPr lang="en-US" sz="2800" dirty="0" smtClean="0">
+              <a:rPr lang="en-US" sz="2800" dirty="0">
                 <a:solidFill>
                   <a:srgbClr val="000000"/>
                 </a:solidFill>
@@ -13468,15 +13078,6 @@
               </a:rPr>
               <a:t>    {</a:t>
             </a:r>
-            <a:endParaRPr lang="en-US" sz="2800" dirty="0">
-              <a:solidFill>
-                <a:srgbClr val="000000"/>
-              </a:solidFill>
-              <a:highlight>
-                <a:srgbClr val="FFFFFF"/>
-              </a:highlight>
-              <a:latin typeface="Consolas"/>
-            </a:endParaRPr>
           </a:p>
           <a:p>
             <a:pPr marL="0" indent="0">
@@ -13519,7 +13120,7 @@
               <a:t> </a:t>
             </a:r>
             <a:r>
-              <a:rPr lang="en-US" sz="2800" dirty="0" smtClean="0">
+              <a:rPr lang="en-US" sz="2800" dirty="0">
                 <a:solidFill>
                   <a:srgbClr val="0000FF"/>
                 </a:solidFill>
@@ -13531,7 +13132,7 @@
               <a:t>true</a:t>
             </a:r>
             <a:r>
-              <a:rPr lang="en-US" sz="2800" dirty="0" smtClean="0">
+              <a:rPr lang="en-US" sz="2800" dirty="0">
                 <a:solidFill>
                   <a:srgbClr val="000000"/>
                 </a:solidFill>
@@ -13542,15 +13143,6 @@
               </a:rPr>
               <a:t>;</a:t>
             </a:r>
-            <a:endParaRPr lang="en-US" sz="2800" dirty="0">
-              <a:solidFill>
-                <a:srgbClr val="000000"/>
-              </a:solidFill>
-              <a:highlight>
-                <a:srgbClr val="FFFFFF"/>
-              </a:highlight>
-              <a:latin typeface="Consolas"/>
-            </a:endParaRPr>
           </a:p>
           <a:p>
             <a:pPr marL="0" indent="0">
@@ -13566,19 +13158,7 @@
                 </a:highlight>
                 <a:latin typeface="Consolas"/>
               </a:rPr>
-              <a:t>    </a:t>
-            </a:r>
-            <a:r>
-              <a:rPr lang="en-US" sz="2800" dirty="0" smtClean="0">
-                <a:solidFill>
-                  <a:srgbClr val="000000"/>
-                </a:solidFill>
-                <a:highlight>
-                  <a:srgbClr val="FFFFFF"/>
-                </a:highlight>
-                <a:latin typeface="Consolas"/>
-              </a:rPr>
-              <a:t>}</a:t>
+              <a:t>    }</a:t>
             </a:r>
           </a:p>
           <a:p>
@@ -13612,7 +13192,7 @@
               <a:t>    </a:t>
             </a:r>
             <a:r>
-              <a:rPr lang="en-US" sz="2800" dirty="0" smtClean="0">
+              <a:rPr lang="en-US" sz="2800" dirty="0">
                 <a:solidFill>
                   <a:srgbClr val="0000FF"/>
                 </a:solidFill>
@@ -13624,7 +13204,7 @@
               <a:t>return</a:t>
             </a:r>
             <a:r>
-              <a:rPr lang="en-US" sz="2800" dirty="0" smtClean="0">
+              <a:rPr lang="en-US" sz="2800" dirty="0">
                 <a:solidFill>
                   <a:srgbClr val="000000"/>
                 </a:solidFill>
@@ -13636,7 +13216,7 @@
               <a:t> </a:t>
             </a:r>
             <a:r>
-              <a:rPr lang="en-US" sz="2800" dirty="0" smtClean="0">
+              <a:rPr lang="en-US" sz="2800" dirty="0">
                 <a:solidFill>
                   <a:srgbClr val="0000FF"/>
                 </a:solidFill>
@@ -13648,7 +13228,7 @@
               <a:t>false</a:t>
             </a:r>
             <a:r>
-              <a:rPr lang="en-US" sz="2800" dirty="0" smtClean="0">
+              <a:rPr lang="en-US" sz="2800" dirty="0">
                 <a:solidFill>
                   <a:srgbClr val="000000"/>
                 </a:solidFill>
@@ -13665,7 +13245,7 @@
               <a:buNone/>
             </a:pPr>
             <a:r>
-              <a:rPr lang="en-US" sz="2800" dirty="0" smtClean="0">
+              <a:rPr lang="en-US" sz="2800" dirty="0">
                 <a:solidFill>
                   <a:srgbClr val="000000"/>
                 </a:solidFill>
@@ -13676,7 +13256,7 @@
               </a:rPr>
               <a:t>}</a:t>
             </a:r>
-            <a:endParaRPr lang="nl-NL" sz="2800" dirty="0" smtClean="0">
+            <a:endParaRPr lang="nl-NL" sz="2800" dirty="0">
               <a:latin typeface="Helvetica Light"/>
               <a:cs typeface="Helvetica Light"/>
             </a:endParaRPr>
@@ -13725,7 +13305,7 @@
           <a:lstStyle/>
           <a:p>
             <a:r>
-              <a:rPr lang="nl-NL" sz="6000" dirty="0" smtClean="0">
+              <a:rPr lang="nl-NL" sz="6000" dirty="0">
                 <a:latin typeface="Helvetica Light"/>
                 <a:cs typeface="Helvetica Light"/>
               </a:rPr>
@@ -13761,30 +13341,6 @@
           <a:lstStyle/>
           <a:p>
             <a:r>
-              <a:rPr lang="en-US" sz="2400" dirty="0" smtClean="0">
-                <a:solidFill>
-                  <a:srgbClr val="000000"/>
-                </a:solidFill>
-                <a:highlight>
-                  <a:srgbClr val="FFFFFF"/>
-                </a:highlight>
-                <a:latin typeface="Consolas"/>
-              </a:rPr>
-              <a:t>(</a:t>
-            </a:r>
-            <a:r>
-              <a:rPr lang="en-US" sz="2400" dirty="0" err="1" smtClean="0">
-                <a:solidFill>
-                  <a:srgbClr val="000000"/>
-                </a:solidFill>
-                <a:highlight>
-                  <a:srgbClr val="FFFFFF"/>
-                </a:highlight>
-                <a:latin typeface="Consolas"/>
-              </a:rPr>
-              <a:t>email.IndexOf</a:t>
-            </a:r>
-            <a:r>
               <a:rPr lang="en-US" sz="2400" dirty="0">
                 <a:solidFill>
                   <a:srgbClr val="000000"/>
@@ -13797,6 +13353,30 @@
               <a:t>(</a:t>
             </a:r>
             <a:r>
+              <a:rPr lang="en-US" sz="2400" dirty="0" err="1">
+                <a:solidFill>
+                  <a:srgbClr val="000000"/>
+                </a:solidFill>
+                <a:highlight>
+                  <a:srgbClr val="FFFFFF"/>
+                </a:highlight>
+                <a:latin typeface="Consolas"/>
+              </a:rPr>
+              <a:t>email.IndexOf</a:t>
+            </a:r>
+            <a:r>
+              <a:rPr lang="en-US" sz="2400" dirty="0">
+                <a:solidFill>
+                  <a:srgbClr val="000000"/>
+                </a:solidFill>
+                <a:highlight>
+                  <a:srgbClr val="FFFFFF"/>
+                </a:highlight>
+                <a:latin typeface="Consolas"/>
+              </a:rPr>
+              <a:t>(</a:t>
+            </a:r>
+            <a:r>
               <a:rPr lang="en-US" sz="2400" dirty="0">
                 <a:solidFill>
                   <a:srgbClr val="A31515"/>
@@ -13818,19 +13398,7 @@
                 </a:highlight>
                 <a:latin typeface="Consolas"/>
               </a:rPr>
-              <a:t>) </a:t>
-            </a:r>
-            <a:r>
-              <a:rPr lang="en-US" sz="2400" dirty="0" smtClean="0">
-                <a:solidFill>
-                  <a:srgbClr val="000000"/>
-                </a:solidFill>
-                <a:highlight>
-                  <a:srgbClr val="FFFFFF"/>
-                </a:highlight>
-                <a:latin typeface="Consolas"/>
-              </a:rPr>
-              <a:t>&gt; </a:t>
+              <a:t>) &gt; </a:t>
             </a:r>
             <a:r>
               <a:rPr lang="en-US" sz="2400" dirty="0" err="1">
@@ -13845,7 +13413,7 @@
               <a:t>email.IndexOf</a:t>
             </a:r>
             <a:r>
-              <a:rPr lang="en-US" sz="2400" dirty="0" smtClean="0">
+              <a:rPr lang="en-US" sz="2400" dirty="0">
                 <a:solidFill>
                   <a:srgbClr val="000000"/>
                 </a:solidFill>
@@ -13857,7 +13425,7 @@
               <a:t>(</a:t>
             </a:r>
             <a:r>
-              <a:rPr lang="en-US" sz="2400" dirty="0" smtClean="0">
+              <a:rPr lang="en-US" sz="2400" dirty="0">
                 <a:solidFill>
                   <a:srgbClr val="A31515"/>
                 </a:solidFill>
@@ -13869,7 +13437,7 @@
               <a:t>'@'</a:t>
             </a:r>
             <a:r>
-              <a:rPr lang="en-US" sz="2400" dirty="0" smtClean="0">
+              <a:rPr lang="en-US" sz="2400" dirty="0">
                 <a:solidFill>
                   <a:srgbClr val="000000"/>
                 </a:solidFill>
@@ -13907,7 +13475,7 @@
           <a:lstStyle/>
           <a:p>
             <a:r>
-              <a:rPr lang="nl-NL" sz="3200" dirty="0" smtClean="0"/>
+              <a:rPr lang="nl-NL" sz="3200" dirty="0"/>
               <a:t>Of deze variant!</a:t>
             </a:r>
             <a:endParaRPr lang="en-US" sz="3200" dirty="0"/>
@@ -14238,70 +13806,18 @@
           <a:lstStyle/>
           <a:p>
             <a:r>
-              <a:rPr lang="nl-NL" dirty="0" smtClean="0">
+              <a:rPr lang="nl-NL" dirty="0">
                 <a:latin typeface="Helvetica Light"/>
                 <a:cs typeface="Helvetica Light"/>
               </a:rPr>
               <a:t>Komt een item voor in de lijst? </a:t>
             </a:r>
             <a:r>
-              <a:rPr lang="nl-NL" dirty="0" err="1" smtClean="0">
+              <a:rPr lang="nl-NL" dirty="0" err="1">
                 <a:latin typeface="Helvetica Light"/>
                 <a:cs typeface="Helvetica Light"/>
               </a:rPr>
               <a:t>Contains</a:t>
-            </a:r>
-            <a:r>
-              <a:rPr lang="nl-NL" dirty="0" smtClean="0">
-                <a:latin typeface="Helvetica Light"/>
-                <a:cs typeface="Helvetica Light"/>
-              </a:rPr>
-              <a:t>!</a:t>
-            </a:r>
-          </a:p>
-          <a:p>
-            <a:r>
-              <a:rPr lang="nl-NL" smtClean="0">
-                <a:latin typeface="Helvetica Light"/>
-                <a:cs typeface="Helvetica Light"/>
-              </a:rPr>
-              <a:t>Komt een item voor in de lijst EN op </a:t>
-            </a:r>
-            <a:r>
-              <a:rPr lang="nl-NL" dirty="0" smtClean="0">
-                <a:latin typeface="Helvetica Light"/>
-                <a:cs typeface="Helvetica Light"/>
-              </a:rPr>
-              <a:t>welke plek staat het item? </a:t>
-            </a:r>
-            <a:r>
-              <a:rPr lang="nl-NL" dirty="0" err="1" smtClean="0">
-                <a:latin typeface="Helvetica Light"/>
-                <a:cs typeface="Helvetica Light"/>
-              </a:rPr>
-              <a:t>IndexOf</a:t>
-            </a:r>
-            <a:r>
-              <a:rPr lang="nl-NL" dirty="0" smtClean="0">
-                <a:latin typeface="Helvetica Light"/>
-                <a:cs typeface="Helvetica Light"/>
-              </a:rPr>
-              <a:t>!</a:t>
-            </a:r>
-          </a:p>
-          <a:p>
-            <a:endParaRPr lang="nl-NL" dirty="0" smtClean="0">
-              <a:latin typeface="Helvetica Light"/>
-              <a:cs typeface="Helvetica Light"/>
-            </a:endParaRPr>
-          </a:p>
-          <a:p>
-            <a:r>
-              <a:rPr lang="nl-NL" dirty="0" smtClean="0">
-                <a:latin typeface="Helvetica Light"/>
-                <a:cs typeface="Helvetica Light"/>
-              </a:rPr>
-              <a:t>Deze methodes werken ook bij strings</a:t>
             </a:r>
             <a:r>
               <a:rPr lang="nl-NL" dirty="0">
@@ -14310,10 +13826,51 @@
               </a:rPr>
               <a:t>!</a:t>
             </a:r>
-            <a:endParaRPr lang="nl-NL" dirty="0" smtClean="0">
+          </a:p>
+          <a:p>
+            <a:r>
+              <a:rPr lang="nl-NL">
+                <a:latin typeface="Helvetica Light"/>
+                <a:cs typeface="Helvetica Light"/>
+              </a:rPr>
+              <a:t>Komt een item voor in de lijst EN op </a:t>
+            </a:r>
+            <a:r>
+              <a:rPr lang="nl-NL" dirty="0">
+                <a:latin typeface="Helvetica Light"/>
+                <a:cs typeface="Helvetica Light"/>
+              </a:rPr>
+              <a:t>welke plek staat het item? </a:t>
+            </a:r>
+            <a:r>
+              <a:rPr lang="nl-NL" dirty="0" err="1">
+                <a:latin typeface="Helvetica Light"/>
+                <a:cs typeface="Helvetica Light"/>
+              </a:rPr>
+              <a:t>IndexOf</a:t>
+            </a:r>
+            <a:r>
+              <a:rPr lang="nl-NL" dirty="0">
+                <a:latin typeface="Helvetica Light"/>
+                <a:cs typeface="Helvetica Light"/>
+              </a:rPr>
+              <a:t>!</a:t>
+            </a:r>
+          </a:p>
+          <a:p>
+            <a:endParaRPr lang="nl-NL" dirty="0">
               <a:latin typeface="Helvetica Light"/>
               <a:cs typeface="Helvetica Light"/>
             </a:endParaRPr>
+          </a:p>
+          <a:p>
+            <a:r>
+              <a:rPr lang="nl-NL" dirty="0">
+                <a:latin typeface="Helvetica Light"/>
+                <a:cs typeface="Helvetica Light"/>
+              </a:rPr>
+              <a:t>Deze methodes werken ook bij strings!</a:t>
+            </a:r>
           </a:p>
           <a:p>
             <a:endParaRPr lang="nl-NL" dirty="0">
@@ -14482,16 +14039,12 @@
           <a:lstStyle/>
           <a:p>
             <a:r>
-              <a:rPr lang="nl-NL" sz="6000" noProof="0" dirty="0" smtClean="0">
+              <a:rPr lang="nl-NL" sz="6000" noProof="0" dirty="0">
                 <a:latin typeface="Helvetica Light"/>
                 <a:cs typeface="Helvetica Light"/>
               </a:rPr>
               <a:t>Samenvatting</a:t>
             </a:r>
-            <a:endParaRPr lang="nl-NL" sz="6000" noProof="0" dirty="0">
-              <a:latin typeface="Helvetica Light"/>
-              <a:cs typeface="Helvetica Light"/>
-            </a:endParaRPr>
           </a:p>
         </p:txBody>
       </p:sp>
@@ -14505,102 +14058,6 @@
   <p:clrMapOvr>
     <a:masterClrMapping/>
   </p:clrMapOvr>
-  <p:timing>
-    <p:tnLst>
-      <p:par>
-        <p:cTn id="1" dur="indefinite" restart="never" nodeType="tmRoot"/>
-      </p:par>
-    </p:tnLst>
-  </p:timing>
-</p:sld>
-</file>
-
-<file path=ppt/slides/slide7.xml><?xml version="1.0" encoding="utf-8"?>
-<p:sld xmlns:a="http://schemas.openxmlformats.org/drawingml/2006/main" xmlns:r="http://schemas.openxmlformats.org/officeDocument/2006/relationships" xmlns:p="http://schemas.openxmlformats.org/presentationml/2006/main">
-  <p:cSld>
-    <p:spTree>
-      <p:nvGrpSpPr>
-        <p:cNvPr id="1" name=""/>
-        <p:cNvGrpSpPr/>
-        <p:nvPr/>
-      </p:nvGrpSpPr>
-      <p:grpSpPr>
-        <a:xfrm>
-          <a:off x="0" y="0"/>
-          <a:ext cx="0" cy="0"/>
-          <a:chOff x="0" y="0"/>
-          <a:chExt cx="0" cy="0"/>
-        </a:xfrm>
-      </p:grpSpPr>
-      <p:sp>
-        <p:nvSpPr>
-          <p:cNvPr id="2" name="Titel 1"/>
-          <p:cNvSpPr>
-            <a:spLocks noGrp="1"/>
-          </p:cNvSpPr>
-          <p:nvPr>
-            <p:ph type="title"/>
-          </p:nvPr>
-        </p:nvSpPr>
-        <p:spPr>
-          <a:xfrm>
-            <a:off x="0" y="2514600"/>
-            <a:ext cx="9144000" cy="3124944"/>
-          </a:xfrm>
-        </p:spPr>
-        <p:txBody>
-          <a:bodyPr anchor="ctr"/>
-          <a:lstStyle/>
-          <a:p>
-            <a:pPr algn="ctr"/>
-            <a:r>
-              <a:rPr lang="nl-NL" sz="11500" dirty="0" smtClean="0">
-                <a:latin typeface="Helvetica Light"/>
-                <a:cs typeface="Helvetica Light"/>
-              </a:rPr>
-              <a:t>Vragen?</a:t>
-            </a:r>
-            <a:endParaRPr lang="nl-NL" sz="49600" dirty="0">
-              <a:solidFill>
-                <a:schemeClr val="bg1">
-                  <a:lumMod val="95000"/>
-                </a:schemeClr>
-              </a:solidFill>
-              <a:latin typeface="Helvetica Light"/>
-              <a:cs typeface="Helvetica Light"/>
-            </a:endParaRPr>
-          </a:p>
-        </p:txBody>
-      </p:sp>
-    </p:spTree>
-    <p:extLst>
-      <p:ext uri="{BB962C8B-B14F-4D97-AF65-F5344CB8AC3E}">
-        <p14:creationId xmlns:p14="http://schemas.microsoft.com/office/powerpoint/2010/main" val="49314784"/>
-      </p:ext>
-    </p:extLst>
-  </p:cSld>
-  <p:clrMapOvr>
-    <a:masterClrMapping/>
-  </p:clrMapOvr>
-  <mc:AlternateContent xmlns:mc="http://schemas.openxmlformats.org/markup-compatibility/2006" xmlns:p14="http://schemas.microsoft.com/office/powerpoint/2010/main">
-    <mc:Choice Requires="p14">
-      <p:transition spd="med" p14:dur="700">
-        <p:fade/>
-      </p:transition>
-    </mc:Choice>
-    <mc:Fallback xmlns="">
-      <p:transition spd="med">
-        <p:fade/>
-      </p:transition>
-    </mc:Fallback>
-  </mc:AlternateContent>
-  <p:timing>
-    <p:tnLst>
-      <p:par>
-        <p:cTn id="1" dur="indefinite" restart="never" nodeType="tmRoot"/>
-      </p:par>
-    </p:tnLst>
-  </p:timing>
 </p:sld>
 </file>
 
@@ -20090,6 +19547,12 @@
 </file>
 
 <file path=customXml/item1.xml><?xml version="1.0" encoding="utf-8"?>
+<p:properties xmlns:p="http://schemas.microsoft.com/office/2006/metadata/properties" xmlns:xsi="http://www.w3.org/2001/XMLSchema-instance">
+  <documentManagement/>
+</p:properties>
+</file>
+
+<file path=customXml/item2.xml><?xml version="1.0" encoding="utf-8"?>
 <ct:contentTypeSchema xmlns:ct="http://schemas.microsoft.com/office/2006/metadata/contentType" xmlns:ma="http://schemas.microsoft.com/office/2006/metadata/properties/metaAttributes" ct:_="" ma:_="" ma:contentTypeName="Document" ma:contentTypeID="0x010100B58038D1F586F949BDCB6D68F56E6650" ma:contentTypeVersion="1" ma:contentTypeDescription="Create a new document." ma:contentTypeScope="" ma:versionID="cd8d4eb37389dbde3a72667022213ca5">
   <xsd:schema xmlns:xsd="http://www.w3.org/2001/XMLSchema" xmlns:xs="http://www.w3.org/2001/XMLSchema" xmlns:p="http://schemas.microsoft.com/office/2006/metadata/properties" targetNamespace="http://schemas.microsoft.com/office/2006/metadata/properties" ma:root="true" ma:fieldsID="26e4863383729cb444416dcdc8f5e0bd">
     <xsd:element name="properties">
@@ -20203,12 +19666,6 @@
 </ct:contentTypeSchema>
 </file>
 
-<file path=customXml/item2.xml><?xml version="1.0" encoding="utf-8"?>
-<p:properties xmlns:p="http://schemas.microsoft.com/office/2006/metadata/properties" xmlns:xsi="http://www.w3.org/2001/XMLSchema-instance">
-  <documentManagement/>
-</p:properties>
-</file>
-
 <file path=customXml/item3.xml><?xml version="1.0" encoding="utf-8"?>
 <?mso-contentType ?>
 <FormTemplates xmlns="http://schemas.microsoft.com/sharepoint/v3/contenttype/forms">
@@ -20219,13 +19676,33 @@
 </file>
 
 <file path=customXml/itemProps1.xml><?xml version="1.0" encoding="utf-8"?>
-<ds:datastoreItem xmlns:ds="http://schemas.openxmlformats.org/officeDocument/2006/customXml" ds:itemID="{E10B8614-A12F-4C46-AFE1-6D28315AAFA9}"/>
+<ds:datastoreItem xmlns:ds="http://schemas.openxmlformats.org/officeDocument/2006/customXml" ds:itemID="{568E7E90-2B99-487E-B3DC-6471039D9606}">
+  <ds:schemaRefs>
+    <ds:schemaRef ds:uri="http://schemas.microsoft.com/office/2006/metadata/properties"/>
+  </ds:schemaRefs>
+</ds:datastoreItem>
 </file>
 
 <file path=customXml/itemProps2.xml><?xml version="1.0" encoding="utf-8"?>
-<ds:datastoreItem xmlns:ds="http://schemas.openxmlformats.org/officeDocument/2006/customXml" ds:itemID="{568E7E90-2B99-487E-B3DC-6471039D9606}"/>
+<ds:datastoreItem xmlns:ds="http://schemas.openxmlformats.org/officeDocument/2006/customXml" ds:itemID="{E10B8614-A12F-4C46-AFE1-6D28315AAFA9}">
+  <ds:schemaRefs>
+    <ds:schemaRef ds:uri="http://schemas.microsoft.com/office/2006/metadata/contentType"/>
+    <ds:schemaRef ds:uri="http://schemas.microsoft.com/office/2006/metadata/properties/metaAttributes"/>
+    <ds:schemaRef ds:uri="http://www.w3.org/2001/XMLSchema"/>
+    <ds:schemaRef ds:uri="http://schemas.microsoft.com/office/2006/metadata/properties"/>
+    <ds:schemaRef ds:uri="http://schemas.openxmlformats.org/package/2006/metadata/core-properties"/>
+    <ds:schemaRef ds:uri="http://purl.org/dc/elements/1.1/"/>
+    <ds:schemaRef ds:uri="http://purl.org/dc/terms/"/>
+    <ds:schemaRef ds:uri="http://schemas.microsoft.com/internal/obd"/>
+    <ds:schemaRef ds:uri="http://schemas.microsoft.com/office/infopath/2007/PartnerControls"/>
+  </ds:schemaRefs>
+</ds:datastoreItem>
 </file>
 
 <file path=customXml/itemProps3.xml><?xml version="1.0" encoding="utf-8"?>
-<ds:datastoreItem xmlns:ds="http://schemas.openxmlformats.org/officeDocument/2006/customXml" ds:itemID="{2F45B19D-3448-40FC-8962-989CE09B3CDF}"/>
+<ds:datastoreItem xmlns:ds="http://schemas.openxmlformats.org/officeDocument/2006/customXml" ds:itemID="{2F45B19D-3448-40FC-8962-989CE09B3CDF}">
+  <ds:schemaRefs>
+    <ds:schemaRef ds:uri="http://schemas.microsoft.com/sharepoint/v3/contenttype/forms"/>
+  </ds:schemaRefs>
+</ds:datastoreItem>
 </file>